--- a/Documents/Just Another Messaging App.pptx
+++ b/Documents/Just Another Messaging App.pptx
@@ -6226,7 +6226,7 @@
             </a:pPr>
             <a:r>
               <a:rPr lang="uk" sz="1500"/>
-              <a:t>… загалом кажучи, хто-небудь з навичками користуватись комп’ютером і має доступ до інтернету.</a:t>
+              <a:t>Загалом кажучи, хто-небудь з навичками користуватись комп’ютером і має доступ до інтернету.</a:t>
             </a:r>
             <a:endParaRPr sz="1500"/>
           </a:p>
@@ -6773,11 +6773,15 @@
             </a:pPr>
             <a:r>
               <a:rPr lang="uk" sz="1500"/>
-              <a:t>… д</a:t>
+              <a:t>Зауважимо:</a:t>
             </a:r>
             <a:r>
               <a:rPr lang="uk" sz="1500"/>
-              <a:t>оволі насичений</a:t>
+              <a:t> ніша д</a:t>
+            </a:r>
+            <a:r>
+              <a:rPr lang="uk" sz="1500"/>
+              <a:t>оволі насичена</a:t>
             </a:r>
             <a:endParaRPr sz="1500"/>
           </a:p>
@@ -6828,22 +6832,6 @@
             <a:r>
               <a:rPr lang="uk" sz="1500"/>
               <a:t>Основні з них давно мають можливість надсилати голосові і відеоповідомлення, проводити дзвінки і відеотрансляції, а також є повноцінними файлообмінниками.</a:t>
-            </a:r>
-            <a:endParaRPr sz="1500"/>
-          </a:p>
-          <a:p>
-            <a:pPr indent="-323850" lvl="0" marL="457200" rtl="0" algn="l">
-              <a:spcBef>
-                <a:spcPts val="0"/>
-              </a:spcBef>
-              <a:spcAft>
-                <a:spcPts val="0"/>
-              </a:spcAft>
-              <a:buSzPts val="1500"/>
-              <a:buChar char="●"/>
-            </a:pPr>
-            <a:r>
-              <a:t/>
             </a:r>
             <a:endParaRPr sz="1500"/>
           </a:p>
@@ -7076,103 +7064,22 @@
             </a:pPr>
             <a:r>
               <a:rPr lang="uk"/>
-              <a:t>Навіщо?</a:t>
+              <a:t>Дякуємо за увагу!</a:t>
             </a:r>
             <a:endParaRPr/>
           </a:p>
-        </p:txBody>
-      </p:sp>
-      <p:sp>
-        <p:nvSpPr>
-          <p:cNvPr id="95" name="Google Shape;95;p18"/>
-          <p:cNvSpPr txBox="1"/>
-          <p:nvPr>
-            <p:ph idx="1" type="body"/>
-          </p:nvPr>
-        </p:nvSpPr>
-        <p:spPr>
-          <a:xfrm>
-            <a:off x="311700" y="1152475"/>
-            <a:ext cx="3999900" cy="3416400"/>
-          </a:xfrm>
-          <a:prstGeom prst="rect">
-            <a:avLst/>
-          </a:prstGeom>
-        </p:spPr>
-        <p:txBody>
-          <a:bodyPr anchorCtr="0" anchor="t" bIns="91425" lIns="91425" spcFirstLastPara="1" rIns="91425" wrap="square" tIns="91425">
-            <a:normAutofit/>
-          </a:bodyPr>
-          <a:lstStyle/>
           <a:p>
-            <a:pPr indent="-317500" lvl="0" marL="457200" rtl="0" algn="l">
-              <a:spcBef>
-                <a:spcPts val="0"/>
-              </a:spcBef>
-              <a:spcAft>
-                <a:spcPts val="0"/>
-              </a:spcAft>
-              <a:buSzPts val="1400"/>
-              <a:buChar char="●"/>
+            <a:pPr indent="0" lvl="0" marL="0" rtl="0" algn="l">
+              <a:spcBef>
+                <a:spcPts val="0"/>
+              </a:spcBef>
+              <a:spcAft>
+                <a:spcPts val="0"/>
+              </a:spcAft>
+              <a:buNone/>
             </a:pPr>
             <a:r>
-              <a:rPr lang="uk"/>
-              <a:t>А чому б ні?</a:t>
-            </a:r>
-            <a:br>
-              <a:rPr lang="uk"/>
-            </a:br>
-            <a:r>
-              <a:rPr lang="uk">
-                <a:solidFill>
-                  <a:schemeClr val="dk2"/>
-                </a:solidFill>
-              </a:rPr>
-              <a:t>(даний проект в будь-якому випадку є навчальним, а не комерційним)</a:t>
-            </a:r>
-            <a:endParaRPr>
-              <a:solidFill>
-                <a:schemeClr val="dk2"/>
-              </a:solidFill>
-            </a:endParaRPr>
-          </a:p>
-        </p:txBody>
-      </p:sp>
-      <p:sp>
-        <p:nvSpPr>
-          <p:cNvPr id="96" name="Google Shape;96;p18"/>
-          <p:cNvSpPr txBox="1"/>
-          <p:nvPr>
-            <p:ph type="title"/>
-          </p:nvPr>
-        </p:nvSpPr>
-        <p:spPr>
-          <a:xfrm>
-            <a:off x="311700" y="3996175"/>
-            <a:ext cx="8520600" cy="572700"/>
-          </a:xfrm>
-          <a:prstGeom prst="rect">
-            <a:avLst/>
-          </a:prstGeom>
-        </p:spPr>
-        <p:txBody>
-          <a:bodyPr anchorCtr="0" anchor="t" bIns="91425" lIns="91425" spcFirstLastPara="1" rIns="91425" wrap="square" tIns="91425">
-            <a:normAutofit fontScale="90000"/>
-          </a:bodyPr>
-          <a:lstStyle/>
-          <a:p>
-            <a:pPr indent="0" lvl="0" marL="0" rtl="0" algn="l">
-              <a:spcBef>
-                <a:spcPts val="0"/>
-              </a:spcBef>
-              <a:spcAft>
-                <a:spcPts val="0"/>
-              </a:spcAft>
-              <a:buNone/>
-            </a:pPr>
-            <a:r>
-              <a:rPr lang="uk"/>
-              <a:t>Дякуємо за увагу!</a:t>
+              <a:t/>
             </a:r>
             <a:endParaRPr/>
           </a:p>
@@ -7180,7 +7087,7 @@
       </p:sp>
       <p:pic>
         <p:nvPicPr>
-          <p:cNvPr id="97" name="Google Shape;97;p18"/>
+          <p:cNvPr id="95" name="Google Shape;95;p18"/>
           <p:cNvPicPr preferRelativeResize="0"/>
           <p:nvPr/>
         </p:nvPicPr>

--- a/Documents/Just Another Messaging App.pptx
+++ b/Documents/Just Another Messaging App.pptx
@@ -14,6 +14,14 @@
     <p:sldId id="259" r:id="rId9"/>
     <p:sldId id="260" r:id="rId10"/>
     <p:sldId id="261" r:id="rId11"/>
+    <p:sldId id="262" r:id="rId12"/>
+    <p:sldId id="263" r:id="rId13"/>
+    <p:sldId id="264" r:id="rId14"/>
+    <p:sldId id="265" r:id="rId15"/>
+    <p:sldId id="266" r:id="rId16"/>
+    <p:sldId id="267" r:id="rId17"/>
+    <p:sldId id="268" r:id="rId18"/>
+    <p:sldId id="269" r:id="rId19"/>
   </p:sldIdLst>
   <p:sldSz cy="5143500" cx="9144000"/>
   <p:notesSz cx="6858000" cy="9144000"/>
@@ -790,6 +798,501 @@
 </p:notes>
 </file>
 
+<file path=ppt/notesSlides/notesSlide10.xml><?xml version="1.0" encoding="utf-8"?>
+<p:notes xmlns:a="http://schemas.openxmlformats.org/drawingml/2006/main" xmlns:r="http://schemas.openxmlformats.org/officeDocument/2006/relationships" xmlns:mc="http://schemas.openxmlformats.org/markup-compatibility/2006" xmlns:mv="urn:schemas-microsoft-com:mac:vml" xmlns:p="http://schemas.openxmlformats.org/presentationml/2006/main" xmlns:c="http://schemas.openxmlformats.org/drawingml/2006/chart" xmlns:dgm="http://schemas.openxmlformats.org/drawingml/2006/diagram" xmlns:o="urn:schemas-microsoft-com:office:office" xmlns:v="urn:schemas-microsoft-com:vml" xmlns:pvml="urn:schemas-microsoft-com:office:powerpoint" xmlns:com="http://schemas.openxmlformats.org/drawingml/2006/compatibility" xmlns:p14="http://schemas.microsoft.com/office/powerpoint/2010/main" xmlns:p15="http://schemas.microsoft.com/office/powerpoint/2012/main" xmlns:ahyp="http://schemas.microsoft.com/office/drawing/2018/hyperlinkcolor" showMasterPhAnim="0" showMasterSp="0">
+  <p:cSld>
+    <p:spTree>
+      <p:nvGrpSpPr>
+        <p:cNvPr id="122" name="Shape 122"/>
+        <p:cNvGrpSpPr/>
+        <p:nvPr/>
+      </p:nvGrpSpPr>
+      <p:grpSpPr>
+        <a:xfrm>
+          <a:off x="0" y="0"/>
+          <a:ext cx="0" cy="0"/>
+          <a:chOff x="0" y="0"/>
+          <a:chExt cx="0" cy="0"/>
+        </a:xfrm>
+      </p:grpSpPr>
+      <p:sp>
+        <p:nvSpPr>
+          <p:cNvPr id="123" name="Google Shape;123;g154658da140_0_43:notes"/>
+          <p:cNvSpPr/>
+          <p:nvPr>
+            <p:ph idx="2" type="sldImg"/>
+          </p:nvPr>
+        </p:nvSpPr>
+        <p:spPr>
+          <a:xfrm>
+            <a:off x="381300" y="685800"/>
+            <a:ext cx="6096000" cy="3429000"/>
+          </a:xfrm>
+          <a:custGeom>
+            <a:rect b="b" l="l" r="r" t="t"/>
+            <a:pathLst>
+              <a:path extrusionOk="0" h="120000" w="120000">
+                <a:moveTo>
+                  <a:pt x="0" y="0"/>
+                </a:moveTo>
+                <a:lnTo>
+                  <a:pt x="120000" y="0"/>
+                </a:lnTo>
+                <a:lnTo>
+                  <a:pt x="120000" y="120000"/>
+                </a:lnTo>
+                <a:lnTo>
+                  <a:pt x="0" y="120000"/>
+                </a:lnTo>
+                <a:close/>
+              </a:path>
+            </a:pathLst>
+          </a:custGeom>
+        </p:spPr>
+      </p:sp>
+      <p:sp>
+        <p:nvSpPr>
+          <p:cNvPr id="124" name="Google Shape;124;g154658da140_0_43:notes"/>
+          <p:cNvSpPr txBox="1"/>
+          <p:nvPr>
+            <p:ph idx="1" type="body"/>
+          </p:nvPr>
+        </p:nvSpPr>
+        <p:spPr>
+          <a:xfrm>
+            <a:off x="685800" y="4343400"/>
+            <a:ext cx="5486400" cy="4114800"/>
+          </a:xfrm>
+          <a:prstGeom prst="rect">
+            <a:avLst/>
+          </a:prstGeom>
+        </p:spPr>
+        <p:txBody>
+          <a:bodyPr anchorCtr="0" anchor="t" bIns="91425" lIns="91425" spcFirstLastPara="1" rIns="91425" wrap="square" tIns="91425">
+            <a:noAutofit/>
+          </a:bodyPr>
+          <a:lstStyle/>
+          <a:p>
+            <a:pPr indent="0" lvl="0" marL="0" rtl="0" algn="l">
+              <a:spcBef>
+                <a:spcPts val="0"/>
+              </a:spcBef>
+              <a:spcAft>
+                <a:spcPts val="0"/>
+              </a:spcAft>
+              <a:buNone/>
+            </a:pPr>
+            <a:r>
+              <a:t/>
+            </a:r>
+            <a:endParaRPr/>
+          </a:p>
+        </p:txBody>
+      </p:sp>
+    </p:spTree>
+  </p:cSld>
+  <p:clrMapOvr>
+    <a:masterClrMapping/>
+  </p:clrMapOvr>
+</p:notes>
+</file>
+
+<file path=ppt/notesSlides/notesSlide11.xml><?xml version="1.0" encoding="utf-8"?>
+<p:notes xmlns:a="http://schemas.openxmlformats.org/drawingml/2006/main" xmlns:r="http://schemas.openxmlformats.org/officeDocument/2006/relationships" xmlns:mc="http://schemas.openxmlformats.org/markup-compatibility/2006" xmlns:mv="urn:schemas-microsoft-com:mac:vml" xmlns:p="http://schemas.openxmlformats.org/presentationml/2006/main" xmlns:c="http://schemas.openxmlformats.org/drawingml/2006/chart" xmlns:dgm="http://schemas.openxmlformats.org/drawingml/2006/diagram" xmlns:o="urn:schemas-microsoft-com:office:office" xmlns:v="urn:schemas-microsoft-com:vml" xmlns:pvml="urn:schemas-microsoft-com:office:powerpoint" xmlns:com="http://schemas.openxmlformats.org/drawingml/2006/compatibility" xmlns:p14="http://schemas.microsoft.com/office/powerpoint/2010/main" xmlns:p15="http://schemas.microsoft.com/office/powerpoint/2012/main" xmlns:ahyp="http://schemas.microsoft.com/office/drawing/2018/hyperlinkcolor" showMasterPhAnim="0" showMasterSp="0">
+  <p:cSld>
+    <p:spTree>
+      <p:nvGrpSpPr>
+        <p:cNvPr id="130" name="Shape 130"/>
+        <p:cNvGrpSpPr/>
+        <p:nvPr/>
+      </p:nvGrpSpPr>
+      <p:grpSpPr>
+        <a:xfrm>
+          <a:off x="0" y="0"/>
+          <a:ext cx="0" cy="0"/>
+          <a:chOff x="0" y="0"/>
+          <a:chExt cx="0" cy="0"/>
+        </a:xfrm>
+      </p:grpSpPr>
+      <p:sp>
+        <p:nvSpPr>
+          <p:cNvPr id="131" name="Google Shape;131;g154658da140_0_51:notes"/>
+          <p:cNvSpPr/>
+          <p:nvPr>
+            <p:ph idx="2" type="sldImg"/>
+          </p:nvPr>
+        </p:nvSpPr>
+        <p:spPr>
+          <a:xfrm>
+            <a:off x="381300" y="685800"/>
+            <a:ext cx="6096000" cy="3429000"/>
+          </a:xfrm>
+          <a:custGeom>
+            <a:rect b="b" l="l" r="r" t="t"/>
+            <a:pathLst>
+              <a:path extrusionOk="0" h="120000" w="120000">
+                <a:moveTo>
+                  <a:pt x="0" y="0"/>
+                </a:moveTo>
+                <a:lnTo>
+                  <a:pt x="120000" y="0"/>
+                </a:lnTo>
+                <a:lnTo>
+                  <a:pt x="120000" y="120000"/>
+                </a:lnTo>
+                <a:lnTo>
+                  <a:pt x="0" y="120000"/>
+                </a:lnTo>
+                <a:close/>
+              </a:path>
+            </a:pathLst>
+          </a:custGeom>
+        </p:spPr>
+      </p:sp>
+      <p:sp>
+        <p:nvSpPr>
+          <p:cNvPr id="132" name="Google Shape;132;g154658da140_0_51:notes"/>
+          <p:cNvSpPr txBox="1"/>
+          <p:nvPr>
+            <p:ph idx="1" type="body"/>
+          </p:nvPr>
+        </p:nvSpPr>
+        <p:spPr>
+          <a:xfrm>
+            <a:off x="685800" y="4343400"/>
+            <a:ext cx="5486400" cy="4114800"/>
+          </a:xfrm>
+          <a:prstGeom prst="rect">
+            <a:avLst/>
+          </a:prstGeom>
+        </p:spPr>
+        <p:txBody>
+          <a:bodyPr anchorCtr="0" anchor="t" bIns="91425" lIns="91425" spcFirstLastPara="1" rIns="91425" wrap="square" tIns="91425">
+            <a:noAutofit/>
+          </a:bodyPr>
+          <a:lstStyle/>
+          <a:p>
+            <a:pPr indent="0" lvl="0" marL="0" rtl="0" algn="l">
+              <a:spcBef>
+                <a:spcPts val="0"/>
+              </a:spcBef>
+              <a:spcAft>
+                <a:spcPts val="0"/>
+              </a:spcAft>
+              <a:buNone/>
+            </a:pPr>
+            <a:r>
+              <a:t/>
+            </a:r>
+            <a:endParaRPr/>
+          </a:p>
+        </p:txBody>
+      </p:sp>
+    </p:spTree>
+  </p:cSld>
+  <p:clrMapOvr>
+    <a:masterClrMapping/>
+  </p:clrMapOvr>
+</p:notes>
+</file>
+
+<file path=ppt/notesSlides/notesSlide12.xml><?xml version="1.0" encoding="utf-8"?>
+<p:notes xmlns:a="http://schemas.openxmlformats.org/drawingml/2006/main" xmlns:r="http://schemas.openxmlformats.org/officeDocument/2006/relationships" xmlns:mc="http://schemas.openxmlformats.org/markup-compatibility/2006" xmlns:mv="urn:schemas-microsoft-com:mac:vml" xmlns:p="http://schemas.openxmlformats.org/presentationml/2006/main" xmlns:c="http://schemas.openxmlformats.org/drawingml/2006/chart" xmlns:dgm="http://schemas.openxmlformats.org/drawingml/2006/diagram" xmlns:o="urn:schemas-microsoft-com:office:office" xmlns:v="urn:schemas-microsoft-com:vml" xmlns:pvml="urn:schemas-microsoft-com:office:powerpoint" xmlns:com="http://schemas.openxmlformats.org/drawingml/2006/compatibility" xmlns:p14="http://schemas.microsoft.com/office/powerpoint/2010/main" xmlns:p15="http://schemas.microsoft.com/office/powerpoint/2012/main" xmlns:ahyp="http://schemas.microsoft.com/office/drawing/2018/hyperlinkcolor" showMasterPhAnim="0" showMasterSp="0">
+  <p:cSld>
+    <p:spTree>
+      <p:nvGrpSpPr>
+        <p:cNvPr id="138" name="Shape 138"/>
+        <p:cNvGrpSpPr/>
+        <p:nvPr/>
+      </p:nvGrpSpPr>
+      <p:grpSpPr>
+        <a:xfrm>
+          <a:off x="0" y="0"/>
+          <a:ext cx="0" cy="0"/>
+          <a:chOff x="0" y="0"/>
+          <a:chExt cx="0" cy="0"/>
+        </a:xfrm>
+      </p:grpSpPr>
+      <p:sp>
+        <p:nvSpPr>
+          <p:cNvPr id="139" name="Google Shape;139;g1397bc8ad68_0_0:notes"/>
+          <p:cNvSpPr/>
+          <p:nvPr>
+            <p:ph idx="2" type="sldImg"/>
+          </p:nvPr>
+        </p:nvSpPr>
+        <p:spPr>
+          <a:xfrm>
+            <a:off x="381300" y="685800"/>
+            <a:ext cx="6096000" cy="3429000"/>
+          </a:xfrm>
+          <a:custGeom>
+            <a:rect b="b" l="l" r="r" t="t"/>
+            <a:pathLst>
+              <a:path extrusionOk="0" h="120000" w="120000">
+                <a:moveTo>
+                  <a:pt x="0" y="0"/>
+                </a:moveTo>
+                <a:lnTo>
+                  <a:pt x="120000" y="0"/>
+                </a:lnTo>
+                <a:lnTo>
+                  <a:pt x="120000" y="120000"/>
+                </a:lnTo>
+                <a:lnTo>
+                  <a:pt x="0" y="120000"/>
+                </a:lnTo>
+                <a:close/>
+              </a:path>
+            </a:pathLst>
+          </a:custGeom>
+        </p:spPr>
+      </p:sp>
+      <p:sp>
+        <p:nvSpPr>
+          <p:cNvPr id="140" name="Google Shape;140;g1397bc8ad68_0_0:notes"/>
+          <p:cNvSpPr txBox="1"/>
+          <p:nvPr>
+            <p:ph idx="1" type="body"/>
+          </p:nvPr>
+        </p:nvSpPr>
+        <p:spPr>
+          <a:xfrm>
+            <a:off x="685800" y="4343400"/>
+            <a:ext cx="5486400" cy="4114800"/>
+          </a:xfrm>
+          <a:prstGeom prst="rect">
+            <a:avLst/>
+          </a:prstGeom>
+        </p:spPr>
+        <p:txBody>
+          <a:bodyPr anchorCtr="0" anchor="t" bIns="91425" lIns="91425" spcFirstLastPara="1" rIns="91425" wrap="square" tIns="91425">
+            <a:noAutofit/>
+          </a:bodyPr>
+          <a:lstStyle/>
+          <a:p>
+            <a:pPr indent="0" lvl="0" marL="0" rtl="0" algn="l">
+              <a:spcBef>
+                <a:spcPts val="0"/>
+              </a:spcBef>
+              <a:spcAft>
+                <a:spcPts val="0"/>
+              </a:spcAft>
+              <a:buNone/>
+            </a:pPr>
+            <a:r>
+              <a:t/>
+            </a:r>
+            <a:endParaRPr/>
+          </a:p>
+        </p:txBody>
+      </p:sp>
+    </p:spTree>
+  </p:cSld>
+  <p:clrMapOvr>
+    <a:masterClrMapping/>
+  </p:clrMapOvr>
+</p:notes>
+</file>
+
+<file path=ppt/notesSlides/notesSlide13.xml><?xml version="1.0" encoding="utf-8"?>
+<p:notes xmlns:a="http://schemas.openxmlformats.org/drawingml/2006/main" xmlns:r="http://schemas.openxmlformats.org/officeDocument/2006/relationships" xmlns:mc="http://schemas.openxmlformats.org/markup-compatibility/2006" xmlns:mv="urn:schemas-microsoft-com:mac:vml" xmlns:p="http://schemas.openxmlformats.org/presentationml/2006/main" xmlns:c="http://schemas.openxmlformats.org/drawingml/2006/chart" xmlns:dgm="http://schemas.openxmlformats.org/drawingml/2006/diagram" xmlns:o="urn:schemas-microsoft-com:office:office" xmlns:v="urn:schemas-microsoft-com:vml" xmlns:pvml="urn:schemas-microsoft-com:office:powerpoint" xmlns:com="http://schemas.openxmlformats.org/drawingml/2006/compatibility" xmlns:p14="http://schemas.microsoft.com/office/powerpoint/2010/main" xmlns:p15="http://schemas.microsoft.com/office/powerpoint/2012/main" xmlns:ahyp="http://schemas.microsoft.com/office/drawing/2018/hyperlinkcolor" showMasterPhAnim="0" showMasterSp="0">
+  <p:cSld>
+    <p:spTree>
+      <p:nvGrpSpPr>
+        <p:cNvPr id="146" name="Shape 146"/>
+        <p:cNvGrpSpPr/>
+        <p:nvPr/>
+      </p:nvGrpSpPr>
+      <p:grpSpPr>
+        <a:xfrm>
+          <a:off x="0" y="0"/>
+          <a:ext cx="0" cy="0"/>
+          <a:chOff x="0" y="0"/>
+          <a:chExt cx="0" cy="0"/>
+        </a:xfrm>
+      </p:grpSpPr>
+      <p:sp>
+        <p:nvSpPr>
+          <p:cNvPr id="147" name="Google Shape;147;g1397bc8ad68_0_9:notes"/>
+          <p:cNvSpPr/>
+          <p:nvPr>
+            <p:ph idx="2" type="sldImg"/>
+          </p:nvPr>
+        </p:nvSpPr>
+        <p:spPr>
+          <a:xfrm>
+            <a:off x="381300" y="685800"/>
+            <a:ext cx="6096000" cy="3429000"/>
+          </a:xfrm>
+          <a:custGeom>
+            <a:rect b="b" l="l" r="r" t="t"/>
+            <a:pathLst>
+              <a:path extrusionOk="0" h="120000" w="120000">
+                <a:moveTo>
+                  <a:pt x="0" y="0"/>
+                </a:moveTo>
+                <a:lnTo>
+                  <a:pt x="120000" y="0"/>
+                </a:lnTo>
+                <a:lnTo>
+                  <a:pt x="120000" y="120000"/>
+                </a:lnTo>
+                <a:lnTo>
+                  <a:pt x="0" y="120000"/>
+                </a:lnTo>
+                <a:close/>
+              </a:path>
+            </a:pathLst>
+          </a:custGeom>
+        </p:spPr>
+      </p:sp>
+      <p:sp>
+        <p:nvSpPr>
+          <p:cNvPr id="148" name="Google Shape;148;g1397bc8ad68_0_9:notes"/>
+          <p:cNvSpPr txBox="1"/>
+          <p:nvPr>
+            <p:ph idx="1" type="body"/>
+          </p:nvPr>
+        </p:nvSpPr>
+        <p:spPr>
+          <a:xfrm>
+            <a:off x="685800" y="4343400"/>
+            <a:ext cx="5486400" cy="4114800"/>
+          </a:xfrm>
+          <a:prstGeom prst="rect">
+            <a:avLst/>
+          </a:prstGeom>
+        </p:spPr>
+        <p:txBody>
+          <a:bodyPr anchorCtr="0" anchor="t" bIns="91425" lIns="91425" spcFirstLastPara="1" rIns="91425" wrap="square" tIns="91425">
+            <a:noAutofit/>
+          </a:bodyPr>
+          <a:lstStyle/>
+          <a:p>
+            <a:pPr indent="0" lvl="0" marL="0" rtl="0" algn="l">
+              <a:spcBef>
+                <a:spcPts val="0"/>
+              </a:spcBef>
+              <a:spcAft>
+                <a:spcPts val="0"/>
+              </a:spcAft>
+              <a:buNone/>
+            </a:pPr>
+            <a:r>
+              <a:t/>
+            </a:r>
+            <a:endParaRPr/>
+          </a:p>
+        </p:txBody>
+      </p:sp>
+    </p:spTree>
+  </p:cSld>
+  <p:clrMapOvr>
+    <a:masterClrMapping/>
+  </p:clrMapOvr>
+</p:notes>
+</file>
+
+<file path=ppt/notesSlides/notesSlide14.xml><?xml version="1.0" encoding="utf-8"?>
+<p:notes xmlns:a="http://schemas.openxmlformats.org/drawingml/2006/main" xmlns:r="http://schemas.openxmlformats.org/officeDocument/2006/relationships" xmlns:mc="http://schemas.openxmlformats.org/markup-compatibility/2006" xmlns:mv="urn:schemas-microsoft-com:mac:vml" xmlns:p="http://schemas.openxmlformats.org/presentationml/2006/main" xmlns:c="http://schemas.openxmlformats.org/drawingml/2006/chart" xmlns:dgm="http://schemas.openxmlformats.org/drawingml/2006/diagram" xmlns:o="urn:schemas-microsoft-com:office:office" xmlns:v="urn:schemas-microsoft-com:vml" xmlns:pvml="urn:schemas-microsoft-com:office:powerpoint" xmlns:com="http://schemas.openxmlformats.org/drawingml/2006/compatibility" xmlns:p14="http://schemas.microsoft.com/office/powerpoint/2010/main" xmlns:p15="http://schemas.microsoft.com/office/powerpoint/2012/main" xmlns:ahyp="http://schemas.microsoft.com/office/drawing/2018/hyperlinkcolor" showMasterPhAnim="0" showMasterSp="0">
+  <p:cSld>
+    <p:spTree>
+      <p:nvGrpSpPr>
+        <p:cNvPr id="154" name="Shape 154"/>
+        <p:cNvGrpSpPr/>
+        <p:nvPr/>
+      </p:nvGrpSpPr>
+      <p:grpSpPr>
+        <a:xfrm>
+          <a:off x="0" y="0"/>
+          <a:ext cx="0" cy="0"/>
+          <a:chOff x="0" y="0"/>
+          <a:chExt cx="0" cy="0"/>
+        </a:xfrm>
+      </p:grpSpPr>
+      <p:sp>
+        <p:nvSpPr>
+          <p:cNvPr id="155" name="Google Shape;155;g13932393f76_0_91:notes"/>
+          <p:cNvSpPr/>
+          <p:nvPr>
+            <p:ph idx="2" type="sldImg"/>
+          </p:nvPr>
+        </p:nvSpPr>
+        <p:spPr>
+          <a:xfrm>
+            <a:off x="381300" y="685800"/>
+            <a:ext cx="6096000" cy="3429000"/>
+          </a:xfrm>
+          <a:custGeom>
+            <a:rect b="b" l="l" r="r" t="t"/>
+            <a:pathLst>
+              <a:path extrusionOk="0" h="120000" w="120000">
+                <a:moveTo>
+                  <a:pt x="0" y="0"/>
+                </a:moveTo>
+                <a:lnTo>
+                  <a:pt x="120000" y="0"/>
+                </a:lnTo>
+                <a:lnTo>
+                  <a:pt x="120000" y="120000"/>
+                </a:lnTo>
+                <a:lnTo>
+                  <a:pt x="0" y="120000"/>
+                </a:lnTo>
+                <a:close/>
+              </a:path>
+            </a:pathLst>
+          </a:custGeom>
+        </p:spPr>
+      </p:sp>
+      <p:sp>
+        <p:nvSpPr>
+          <p:cNvPr id="156" name="Google Shape;156;g13932393f76_0_91:notes"/>
+          <p:cNvSpPr txBox="1"/>
+          <p:nvPr>
+            <p:ph idx="1" type="body"/>
+          </p:nvPr>
+        </p:nvSpPr>
+        <p:spPr>
+          <a:xfrm>
+            <a:off x="685800" y="4343400"/>
+            <a:ext cx="5486400" cy="4114800"/>
+          </a:xfrm>
+          <a:prstGeom prst="rect">
+            <a:avLst/>
+          </a:prstGeom>
+        </p:spPr>
+        <p:txBody>
+          <a:bodyPr anchorCtr="0" anchor="t" bIns="91425" lIns="91425" spcFirstLastPara="1" rIns="91425" wrap="square" tIns="91425">
+            <a:noAutofit/>
+          </a:bodyPr>
+          <a:lstStyle/>
+          <a:p>
+            <a:pPr indent="0" lvl="0" marL="0" rtl="0" algn="l">
+              <a:spcBef>
+                <a:spcPts val="0"/>
+              </a:spcBef>
+              <a:spcAft>
+                <a:spcPts val="0"/>
+              </a:spcAft>
+              <a:buNone/>
+            </a:pPr>
+            <a:r>
+              <a:t/>
+            </a:r>
+            <a:endParaRPr/>
+          </a:p>
+        </p:txBody>
+      </p:sp>
+    </p:spTree>
+  </p:cSld>
+  <p:clrMapOvr>
+    <a:masterClrMapping/>
+  </p:clrMapOvr>
+</p:notes>
+</file>
+
 <file path=ppt/notesSlides/notesSlide2.xml><?xml version="1.0" encoding="utf-8"?>
 <p:notes xmlns:a="http://schemas.openxmlformats.org/drawingml/2006/main" xmlns:r="http://schemas.openxmlformats.org/officeDocument/2006/relationships" xmlns:mc="http://schemas.openxmlformats.org/markup-compatibility/2006" xmlns:mv="urn:schemas-microsoft-com:mac:vml" xmlns:p="http://schemas.openxmlformats.org/presentationml/2006/main" xmlns:c="http://schemas.openxmlformats.org/drawingml/2006/chart" xmlns:dgm="http://schemas.openxmlformats.org/drawingml/2006/diagram" xmlns:o="urn:schemas-microsoft-com:office:office" xmlns:v="urn:schemas-microsoft-com:vml" xmlns:pvml="urn:schemas-microsoft-com:office:powerpoint" xmlns:com="http://schemas.openxmlformats.org/drawingml/2006/compatibility" xmlns:p14="http://schemas.microsoft.com/office/powerpoint/2010/main" xmlns:p15="http://schemas.microsoft.com/office/powerpoint/2012/main" xmlns:ahyp="http://schemas.microsoft.com/office/drawing/2018/hyperlinkcolor" showMasterPhAnim="0" showMasterSp="0">
   <p:cSld>
@@ -1205,7 +1708,7 @@
       </p:grpSpPr>
       <p:sp>
         <p:nvSpPr>
-          <p:cNvPr id="91" name="Google Shape;91;g13932393f76_0_91:notes"/>
+          <p:cNvPr id="91" name="Google Shape;91;g1541b7009f7_0_0:notes"/>
           <p:cNvSpPr/>
           <p:nvPr>
             <p:ph idx="2" type="sldImg"/>
@@ -1240,7 +1743,304 @@
       </p:sp>
       <p:sp>
         <p:nvSpPr>
-          <p:cNvPr id="92" name="Google Shape;92;g13932393f76_0_91:notes"/>
+          <p:cNvPr id="92" name="Google Shape;92;g1541b7009f7_0_0:notes"/>
+          <p:cNvSpPr txBox="1"/>
+          <p:nvPr>
+            <p:ph idx="1" type="body"/>
+          </p:nvPr>
+        </p:nvSpPr>
+        <p:spPr>
+          <a:xfrm>
+            <a:off x="685800" y="4343400"/>
+            <a:ext cx="5486400" cy="4114800"/>
+          </a:xfrm>
+          <a:prstGeom prst="rect">
+            <a:avLst/>
+          </a:prstGeom>
+        </p:spPr>
+        <p:txBody>
+          <a:bodyPr anchorCtr="0" anchor="t" bIns="91425" lIns="91425" spcFirstLastPara="1" rIns="91425" wrap="square" tIns="91425">
+            <a:noAutofit/>
+          </a:bodyPr>
+          <a:lstStyle/>
+          <a:p>
+            <a:pPr indent="0" lvl="0" marL="0" rtl="0" algn="l">
+              <a:spcBef>
+                <a:spcPts val="0"/>
+              </a:spcBef>
+              <a:spcAft>
+                <a:spcPts val="0"/>
+              </a:spcAft>
+              <a:buNone/>
+            </a:pPr>
+            <a:r>
+              <a:t/>
+            </a:r>
+            <a:endParaRPr/>
+          </a:p>
+        </p:txBody>
+      </p:sp>
+    </p:spTree>
+  </p:cSld>
+  <p:clrMapOvr>
+    <a:masterClrMapping/>
+  </p:clrMapOvr>
+</p:notes>
+</file>
+
+<file path=ppt/notesSlides/notesSlide7.xml><?xml version="1.0" encoding="utf-8"?>
+<p:notes xmlns:a="http://schemas.openxmlformats.org/drawingml/2006/main" xmlns:r="http://schemas.openxmlformats.org/officeDocument/2006/relationships" xmlns:mc="http://schemas.openxmlformats.org/markup-compatibility/2006" xmlns:mv="urn:schemas-microsoft-com:mac:vml" xmlns:p="http://schemas.openxmlformats.org/presentationml/2006/main" xmlns:c="http://schemas.openxmlformats.org/drawingml/2006/chart" xmlns:dgm="http://schemas.openxmlformats.org/drawingml/2006/diagram" xmlns:o="urn:schemas-microsoft-com:office:office" xmlns:v="urn:schemas-microsoft-com:vml" xmlns:pvml="urn:schemas-microsoft-com:office:powerpoint" xmlns:com="http://schemas.openxmlformats.org/drawingml/2006/compatibility" xmlns:p14="http://schemas.microsoft.com/office/powerpoint/2010/main" xmlns:p15="http://schemas.microsoft.com/office/powerpoint/2012/main" xmlns:ahyp="http://schemas.microsoft.com/office/drawing/2018/hyperlinkcolor" showMasterPhAnim="0" showMasterSp="0">
+  <p:cSld>
+    <p:spTree>
+      <p:nvGrpSpPr>
+        <p:cNvPr id="98" name="Shape 98"/>
+        <p:cNvGrpSpPr/>
+        <p:nvPr/>
+      </p:nvGrpSpPr>
+      <p:grpSpPr>
+        <a:xfrm>
+          <a:off x="0" y="0"/>
+          <a:ext cx="0" cy="0"/>
+          <a:chOff x="0" y="0"/>
+          <a:chExt cx="0" cy="0"/>
+        </a:xfrm>
+      </p:grpSpPr>
+      <p:sp>
+        <p:nvSpPr>
+          <p:cNvPr id="99" name="Google Shape;99;g154658da140_0_10:notes"/>
+          <p:cNvSpPr/>
+          <p:nvPr>
+            <p:ph idx="2" type="sldImg"/>
+          </p:nvPr>
+        </p:nvSpPr>
+        <p:spPr>
+          <a:xfrm>
+            <a:off x="381300" y="685800"/>
+            <a:ext cx="6096000" cy="3429000"/>
+          </a:xfrm>
+          <a:custGeom>
+            <a:rect b="b" l="l" r="r" t="t"/>
+            <a:pathLst>
+              <a:path extrusionOk="0" h="120000" w="120000">
+                <a:moveTo>
+                  <a:pt x="0" y="0"/>
+                </a:moveTo>
+                <a:lnTo>
+                  <a:pt x="120000" y="0"/>
+                </a:lnTo>
+                <a:lnTo>
+                  <a:pt x="120000" y="120000"/>
+                </a:lnTo>
+                <a:lnTo>
+                  <a:pt x="0" y="120000"/>
+                </a:lnTo>
+                <a:close/>
+              </a:path>
+            </a:pathLst>
+          </a:custGeom>
+        </p:spPr>
+      </p:sp>
+      <p:sp>
+        <p:nvSpPr>
+          <p:cNvPr id="100" name="Google Shape;100;g154658da140_0_10:notes"/>
+          <p:cNvSpPr txBox="1"/>
+          <p:nvPr>
+            <p:ph idx="1" type="body"/>
+          </p:nvPr>
+        </p:nvSpPr>
+        <p:spPr>
+          <a:xfrm>
+            <a:off x="685800" y="4343400"/>
+            <a:ext cx="5486400" cy="4114800"/>
+          </a:xfrm>
+          <a:prstGeom prst="rect">
+            <a:avLst/>
+          </a:prstGeom>
+        </p:spPr>
+        <p:txBody>
+          <a:bodyPr anchorCtr="0" anchor="t" bIns="91425" lIns="91425" spcFirstLastPara="1" rIns="91425" wrap="square" tIns="91425">
+            <a:noAutofit/>
+          </a:bodyPr>
+          <a:lstStyle/>
+          <a:p>
+            <a:pPr indent="0" lvl="0" marL="0" rtl="0" algn="l">
+              <a:spcBef>
+                <a:spcPts val="0"/>
+              </a:spcBef>
+              <a:spcAft>
+                <a:spcPts val="0"/>
+              </a:spcAft>
+              <a:buNone/>
+            </a:pPr>
+            <a:r>
+              <a:t/>
+            </a:r>
+            <a:endParaRPr/>
+          </a:p>
+        </p:txBody>
+      </p:sp>
+    </p:spTree>
+  </p:cSld>
+  <p:clrMapOvr>
+    <a:masterClrMapping/>
+  </p:clrMapOvr>
+</p:notes>
+</file>
+
+<file path=ppt/notesSlides/notesSlide8.xml><?xml version="1.0" encoding="utf-8"?>
+<p:notes xmlns:a="http://schemas.openxmlformats.org/drawingml/2006/main" xmlns:r="http://schemas.openxmlformats.org/officeDocument/2006/relationships" xmlns:mc="http://schemas.openxmlformats.org/markup-compatibility/2006" xmlns:mv="urn:schemas-microsoft-com:mac:vml" xmlns:p="http://schemas.openxmlformats.org/presentationml/2006/main" xmlns:c="http://schemas.openxmlformats.org/drawingml/2006/chart" xmlns:dgm="http://schemas.openxmlformats.org/drawingml/2006/diagram" xmlns:o="urn:schemas-microsoft-com:office:office" xmlns:v="urn:schemas-microsoft-com:vml" xmlns:pvml="urn:schemas-microsoft-com:office:powerpoint" xmlns:com="http://schemas.openxmlformats.org/drawingml/2006/compatibility" xmlns:p14="http://schemas.microsoft.com/office/powerpoint/2010/main" xmlns:p15="http://schemas.microsoft.com/office/powerpoint/2012/main" xmlns:ahyp="http://schemas.microsoft.com/office/drawing/2018/hyperlinkcolor" showMasterPhAnim="0" showMasterSp="0">
+  <p:cSld>
+    <p:spTree>
+      <p:nvGrpSpPr>
+        <p:cNvPr id="106" name="Shape 106"/>
+        <p:cNvGrpSpPr/>
+        <p:nvPr/>
+      </p:nvGrpSpPr>
+      <p:grpSpPr>
+        <a:xfrm>
+          <a:off x="0" y="0"/>
+          <a:ext cx="0" cy="0"/>
+          <a:chOff x="0" y="0"/>
+          <a:chExt cx="0" cy="0"/>
+        </a:xfrm>
+      </p:grpSpPr>
+      <p:sp>
+        <p:nvSpPr>
+          <p:cNvPr id="107" name="Google Shape;107;g154658da140_0_24:notes"/>
+          <p:cNvSpPr/>
+          <p:nvPr>
+            <p:ph idx="2" type="sldImg"/>
+          </p:nvPr>
+        </p:nvSpPr>
+        <p:spPr>
+          <a:xfrm>
+            <a:off x="381300" y="685800"/>
+            <a:ext cx="6096000" cy="3429000"/>
+          </a:xfrm>
+          <a:custGeom>
+            <a:rect b="b" l="l" r="r" t="t"/>
+            <a:pathLst>
+              <a:path extrusionOk="0" h="120000" w="120000">
+                <a:moveTo>
+                  <a:pt x="0" y="0"/>
+                </a:moveTo>
+                <a:lnTo>
+                  <a:pt x="120000" y="0"/>
+                </a:lnTo>
+                <a:lnTo>
+                  <a:pt x="120000" y="120000"/>
+                </a:lnTo>
+                <a:lnTo>
+                  <a:pt x="0" y="120000"/>
+                </a:lnTo>
+                <a:close/>
+              </a:path>
+            </a:pathLst>
+          </a:custGeom>
+        </p:spPr>
+      </p:sp>
+      <p:sp>
+        <p:nvSpPr>
+          <p:cNvPr id="108" name="Google Shape;108;g154658da140_0_24:notes"/>
+          <p:cNvSpPr txBox="1"/>
+          <p:nvPr>
+            <p:ph idx="1" type="body"/>
+          </p:nvPr>
+        </p:nvSpPr>
+        <p:spPr>
+          <a:xfrm>
+            <a:off x="685800" y="4343400"/>
+            <a:ext cx="5486400" cy="4114800"/>
+          </a:xfrm>
+          <a:prstGeom prst="rect">
+            <a:avLst/>
+          </a:prstGeom>
+        </p:spPr>
+        <p:txBody>
+          <a:bodyPr anchorCtr="0" anchor="t" bIns="91425" lIns="91425" spcFirstLastPara="1" rIns="91425" wrap="square" tIns="91425">
+            <a:noAutofit/>
+          </a:bodyPr>
+          <a:lstStyle/>
+          <a:p>
+            <a:pPr indent="0" lvl="0" marL="0" rtl="0" algn="l">
+              <a:spcBef>
+                <a:spcPts val="0"/>
+              </a:spcBef>
+              <a:spcAft>
+                <a:spcPts val="0"/>
+              </a:spcAft>
+              <a:buNone/>
+            </a:pPr>
+            <a:r>
+              <a:t/>
+            </a:r>
+            <a:endParaRPr/>
+          </a:p>
+        </p:txBody>
+      </p:sp>
+    </p:spTree>
+  </p:cSld>
+  <p:clrMapOvr>
+    <a:masterClrMapping/>
+  </p:clrMapOvr>
+</p:notes>
+</file>
+
+<file path=ppt/notesSlides/notesSlide9.xml><?xml version="1.0" encoding="utf-8"?>
+<p:notes xmlns:a="http://schemas.openxmlformats.org/drawingml/2006/main" xmlns:r="http://schemas.openxmlformats.org/officeDocument/2006/relationships" xmlns:mc="http://schemas.openxmlformats.org/markup-compatibility/2006" xmlns:mv="urn:schemas-microsoft-com:mac:vml" xmlns:p="http://schemas.openxmlformats.org/presentationml/2006/main" xmlns:c="http://schemas.openxmlformats.org/drawingml/2006/chart" xmlns:dgm="http://schemas.openxmlformats.org/drawingml/2006/diagram" xmlns:o="urn:schemas-microsoft-com:office:office" xmlns:v="urn:schemas-microsoft-com:vml" xmlns:pvml="urn:schemas-microsoft-com:office:powerpoint" xmlns:com="http://schemas.openxmlformats.org/drawingml/2006/compatibility" xmlns:p14="http://schemas.microsoft.com/office/powerpoint/2010/main" xmlns:p15="http://schemas.microsoft.com/office/powerpoint/2012/main" xmlns:ahyp="http://schemas.microsoft.com/office/drawing/2018/hyperlinkcolor" showMasterPhAnim="0" showMasterSp="0">
+  <p:cSld>
+    <p:spTree>
+      <p:nvGrpSpPr>
+        <p:cNvPr id="114" name="Shape 114"/>
+        <p:cNvGrpSpPr/>
+        <p:nvPr/>
+      </p:nvGrpSpPr>
+      <p:grpSpPr>
+        <a:xfrm>
+          <a:off x="0" y="0"/>
+          <a:ext cx="0" cy="0"/>
+          <a:chOff x="0" y="0"/>
+          <a:chExt cx="0" cy="0"/>
+        </a:xfrm>
+      </p:grpSpPr>
+      <p:sp>
+        <p:nvSpPr>
+          <p:cNvPr id="115" name="Google Shape;115;g154658da140_0_36:notes"/>
+          <p:cNvSpPr/>
+          <p:nvPr>
+            <p:ph idx="2" type="sldImg"/>
+          </p:nvPr>
+        </p:nvSpPr>
+        <p:spPr>
+          <a:xfrm>
+            <a:off x="381300" y="685800"/>
+            <a:ext cx="6096000" cy="3429000"/>
+          </a:xfrm>
+          <a:custGeom>
+            <a:rect b="b" l="l" r="r" t="t"/>
+            <a:pathLst>
+              <a:path extrusionOk="0" h="120000" w="120000">
+                <a:moveTo>
+                  <a:pt x="0" y="0"/>
+                </a:moveTo>
+                <a:lnTo>
+                  <a:pt x="120000" y="0"/>
+                </a:lnTo>
+                <a:lnTo>
+                  <a:pt x="120000" y="120000"/>
+                </a:lnTo>
+                <a:lnTo>
+                  <a:pt x="0" y="120000"/>
+                </a:lnTo>
+                <a:close/>
+              </a:path>
+            </a:pathLst>
+          </a:custGeom>
+        </p:spPr>
+      </p:sp>
+      <p:sp>
+        <p:nvSpPr>
+          <p:cNvPr id="116" name="Google Shape;116;g154658da140_0_36:notes"/>
           <p:cNvSpPr txBox="1"/>
           <p:nvPr>
             <p:ph idx="1" type="body"/>
@@ -6102,6 +6902,1113 @@
 </p:sld>
 </file>
 
+<file path=ppt/slides/slide10.xml><?xml version="1.0" encoding="utf-8"?>
+<p:sld xmlns:a="http://schemas.openxmlformats.org/drawingml/2006/main" xmlns:r="http://schemas.openxmlformats.org/officeDocument/2006/relationships" xmlns:mc="http://schemas.openxmlformats.org/markup-compatibility/2006" xmlns:mv="urn:schemas-microsoft-com:mac:vml" xmlns:p="http://schemas.openxmlformats.org/presentationml/2006/main" xmlns:c="http://schemas.openxmlformats.org/drawingml/2006/chart" xmlns:dgm="http://schemas.openxmlformats.org/drawingml/2006/diagram" xmlns:o="urn:schemas-microsoft-com:office:office" xmlns:v="urn:schemas-microsoft-com:vml" xmlns:pvml="urn:schemas-microsoft-com:office:powerpoint" xmlns:com="http://schemas.openxmlformats.org/drawingml/2006/compatibility" xmlns:p14="http://schemas.microsoft.com/office/powerpoint/2010/main" xmlns:p15="http://schemas.microsoft.com/office/powerpoint/2012/main" xmlns:ahyp="http://schemas.microsoft.com/office/drawing/2018/hyperlinkcolor">
+  <p:cSld>
+    <p:spTree>
+      <p:nvGrpSpPr>
+        <p:cNvPr id="125" name="Shape 125"/>
+        <p:cNvGrpSpPr/>
+        <p:nvPr/>
+      </p:nvGrpSpPr>
+      <p:grpSpPr>
+        <a:xfrm>
+          <a:off x="0" y="0"/>
+          <a:ext cx="0" cy="0"/>
+          <a:chOff x="0" y="0"/>
+          <a:chExt cx="0" cy="0"/>
+        </a:xfrm>
+      </p:grpSpPr>
+      <p:sp>
+        <p:nvSpPr>
+          <p:cNvPr id="126" name="Google Shape;126;p22"/>
+          <p:cNvSpPr txBox="1"/>
+          <p:nvPr>
+            <p:ph type="title"/>
+          </p:nvPr>
+        </p:nvSpPr>
+        <p:spPr>
+          <a:xfrm>
+            <a:off x="311700" y="445025"/>
+            <a:ext cx="8520600" cy="572700"/>
+          </a:xfrm>
+          <a:prstGeom prst="rect">
+            <a:avLst/>
+          </a:prstGeom>
+        </p:spPr>
+        <p:txBody>
+          <a:bodyPr anchorCtr="0" anchor="t" bIns="91425" lIns="91425" spcFirstLastPara="1" rIns="91425" wrap="square" tIns="91425">
+            <a:normAutofit fontScale="90000"/>
+          </a:bodyPr>
+          <a:lstStyle/>
+          <a:p>
+            <a:pPr indent="0" lvl="0" marL="0" rtl="0" algn="l">
+              <a:spcBef>
+                <a:spcPts val="0"/>
+              </a:spcBef>
+              <a:spcAft>
+                <a:spcPts val="0"/>
+              </a:spcAft>
+              <a:buNone/>
+            </a:pPr>
+            <a:r>
+              <a:rPr lang="uk"/>
+              <a:t>Slack</a:t>
+            </a:r>
+            <a:endParaRPr/>
+          </a:p>
+        </p:txBody>
+      </p:sp>
+      <p:sp>
+        <p:nvSpPr>
+          <p:cNvPr id="127" name="Google Shape;127;p22"/>
+          <p:cNvSpPr txBox="1"/>
+          <p:nvPr>
+            <p:ph idx="1" type="body"/>
+          </p:nvPr>
+        </p:nvSpPr>
+        <p:spPr>
+          <a:xfrm>
+            <a:off x="311700" y="1152475"/>
+            <a:ext cx="3999900" cy="3416400"/>
+          </a:xfrm>
+          <a:prstGeom prst="rect">
+            <a:avLst/>
+          </a:prstGeom>
+        </p:spPr>
+        <p:txBody>
+          <a:bodyPr anchorCtr="0" anchor="t" bIns="91425" lIns="91425" spcFirstLastPara="1" rIns="91425" wrap="square" tIns="91425">
+            <a:normAutofit/>
+          </a:bodyPr>
+          <a:lstStyle/>
+          <a:p>
+            <a:pPr indent="-323850" lvl="0" marL="457200" rtl="0" algn="l">
+              <a:lnSpc>
+                <a:spcPct val="105000"/>
+              </a:lnSpc>
+              <a:spcBef>
+                <a:spcPts val="0"/>
+              </a:spcBef>
+              <a:spcAft>
+                <a:spcPts val="0"/>
+              </a:spcAft>
+              <a:buSzPts val="1500"/>
+              <a:buChar char="+"/>
+            </a:pPr>
+            <a:r>
+              <a:rPr lang="uk" sz="1500"/>
+              <a:t>Не потребує номеру телефону </a:t>
+            </a:r>
+            <a:endParaRPr sz="1500"/>
+          </a:p>
+          <a:p>
+            <a:pPr indent="-323850" lvl="0" marL="457200" rtl="0" algn="l">
+              <a:lnSpc>
+                <a:spcPct val="105000"/>
+              </a:lnSpc>
+              <a:spcBef>
+                <a:spcPts val="0"/>
+              </a:spcBef>
+              <a:spcAft>
+                <a:spcPts val="0"/>
+              </a:spcAft>
+              <a:buSzPts val="1500"/>
+              <a:buChar char="+"/>
+            </a:pPr>
+            <a:r>
+              <a:rPr lang="uk" sz="1500"/>
+              <a:t>Відсутність реклами як такої</a:t>
+            </a:r>
+            <a:endParaRPr sz="1500"/>
+          </a:p>
+          <a:p>
+            <a:pPr indent="-323850" lvl="0" marL="457200" rtl="0" algn="l">
+              <a:lnSpc>
+                <a:spcPct val="105000"/>
+              </a:lnSpc>
+              <a:spcBef>
+                <a:spcPts val="0"/>
+              </a:spcBef>
+              <a:spcAft>
+                <a:spcPts val="0"/>
+              </a:spcAft>
+              <a:buSzPts val="1500"/>
+              <a:buChar char="+"/>
+            </a:pPr>
+            <a:r>
+              <a:rPr lang="uk" sz="1500"/>
+              <a:t>Можливість зайти з декількох акаунтів одночасно в різні workspace</a:t>
+            </a:r>
+            <a:endParaRPr sz="1500"/>
+          </a:p>
+          <a:p>
+            <a:pPr indent="-323850" lvl="0" marL="457200" rtl="0" algn="l">
+              <a:lnSpc>
+                <a:spcPct val="105000"/>
+              </a:lnSpc>
+              <a:spcBef>
+                <a:spcPts val="0"/>
+              </a:spcBef>
+              <a:spcAft>
+                <a:spcPts val="0"/>
+              </a:spcAft>
+              <a:buSzPts val="1500"/>
+              <a:buChar char="+"/>
+            </a:pPr>
+            <a:r>
+              <a:rPr lang="uk" sz="1500"/>
+              <a:t>Практично відсутність спаму від сторонніх</a:t>
+            </a:r>
+            <a:endParaRPr sz="1500"/>
+          </a:p>
+          <a:p>
+            <a:pPr indent="-323850" lvl="0" marL="457200" rtl="0" algn="l">
+              <a:lnSpc>
+                <a:spcPct val="105000"/>
+              </a:lnSpc>
+              <a:spcBef>
+                <a:spcPts val="0"/>
+              </a:spcBef>
+              <a:spcAft>
+                <a:spcPts val="0"/>
+              </a:spcAft>
+              <a:buSzPts val="1500"/>
+              <a:buChar char="+"/>
+            </a:pPr>
+            <a:r>
+              <a:rPr lang="uk" sz="1500"/>
+              <a:t>Інтеграція додатків</a:t>
+            </a:r>
+            <a:endParaRPr sz="1500"/>
+          </a:p>
+          <a:p>
+            <a:pPr indent="-323850" lvl="0" marL="457200" rtl="0" algn="l">
+              <a:lnSpc>
+                <a:spcPct val="105000"/>
+              </a:lnSpc>
+              <a:spcBef>
+                <a:spcPts val="0"/>
+              </a:spcBef>
+              <a:spcAft>
+                <a:spcPts val="0"/>
+              </a:spcAft>
+              <a:buSzPts val="1500"/>
+              <a:buChar char="+"/>
+            </a:pPr>
+            <a:r>
+              <a:rPr lang="uk" sz="1500"/>
+              <a:t>Синхронізація вмісту між пристроями, збереження історії листування</a:t>
+            </a:r>
+            <a:endParaRPr sz="1600"/>
+          </a:p>
+          <a:p>
+            <a:pPr indent="-330200" lvl="0" marL="457200" rtl="0" algn="l">
+              <a:lnSpc>
+                <a:spcPct val="105000"/>
+              </a:lnSpc>
+              <a:spcBef>
+                <a:spcPts val="0"/>
+              </a:spcBef>
+              <a:spcAft>
+                <a:spcPts val="0"/>
+              </a:spcAft>
+              <a:buSzPts val="1600"/>
+              <a:buChar char="+"/>
+            </a:pPr>
+            <a:r>
+              <a:rPr lang="uk" sz="1600"/>
+              <a:t>Форматування коду, вимкнення сповіщень за розкладом, емодзі…</a:t>
+            </a:r>
+            <a:endParaRPr sz="1600"/>
+          </a:p>
+        </p:txBody>
+      </p:sp>
+      <p:pic>
+        <p:nvPicPr>
+          <p:cNvPr id="128" name="Google Shape;128;p22"/>
+          <p:cNvPicPr preferRelativeResize="0"/>
+          <p:nvPr/>
+        </p:nvPicPr>
+        <p:blipFill>
+          <a:blip r:embed="rId3">
+            <a:alphaModFix/>
+          </a:blip>
+          <a:stretch>
+            <a:fillRect/>
+          </a:stretch>
+        </p:blipFill>
+        <p:spPr>
+          <a:xfrm>
+            <a:off x="4011048" y="170423"/>
+            <a:ext cx="1121900" cy="1121900"/>
+          </a:xfrm>
+          <a:prstGeom prst="rect">
+            <a:avLst/>
+          </a:prstGeom>
+          <a:noFill/>
+          <a:ln>
+            <a:noFill/>
+          </a:ln>
+        </p:spPr>
+      </p:pic>
+      <p:pic>
+        <p:nvPicPr>
+          <p:cNvPr id="129" name="Google Shape;129;p22"/>
+          <p:cNvPicPr preferRelativeResize="0"/>
+          <p:nvPr/>
+        </p:nvPicPr>
+        <p:blipFill>
+          <a:blip r:embed="rId4">
+            <a:alphaModFix/>
+          </a:blip>
+          <a:stretch>
+            <a:fillRect/>
+          </a:stretch>
+        </p:blipFill>
+        <p:spPr>
+          <a:xfrm>
+            <a:off x="4464000" y="1444722"/>
+            <a:ext cx="4527601" cy="2470564"/>
+          </a:xfrm>
+          <a:prstGeom prst="rect">
+            <a:avLst/>
+          </a:prstGeom>
+          <a:noFill/>
+          <a:ln cap="flat" cmpd="sng" w="38100">
+            <a:solidFill>
+              <a:schemeClr val="dk2"/>
+            </a:solidFill>
+            <a:prstDash val="solid"/>
+            <a:round/>
+            <a:headEnd len="sm" w="sm" type="none"/>
+            <a:tailEnd len="sm" w="sm" type="none"/>
+          </a:ln>
+        </p:spPr>
+      </p:pic>
+    </p:spTree>
+  </p:cSld>
+  <p:clrMapOvr>
+    <a:masterClrMapping/>
+  </p:clrMapOvr>
+</p:sld>
+</file>
+
+<file path=ppt/slides/slide11.xml><?xml version="1.0" encoding="utf-8"?>
+<p:sld xmlns:a="http://schemas.openxmlformats.org/drawingml/2006/main" xmlns:r="http://schemas.openxmlformats.org/officeDocument/2006/relationships" xmlns:mc="http://schemas.openxmlformats.org/markup-compatibility/2006" xmlns:mv="urn:schemas-microsoft-com:mac:vml" xmlns:p="http://schemas.openxmlformats.org/presentationml/2006/main" xmlns:c="http://schemas.openxmlformats.org/drawingml/2006/chart" xmlns:dgm="http://schemas.openxmlformats.org/drawingml/2006/diagram" xmlns:o="urn:schemas-microsoft-com:office:office" xmlns:v="urn:schemas-microsoft-com:vml" xmlns:pvml="urn:schemas-microsoft-com:office:powerpoint" xmlns:com="http://schemas.openxmlformats.org/drawingml/2006/compatibility" xmlns:p14="http://schemas.microsoft.com/office/powerpoint/2010/main" xmlns:p15="http://schemas.microsoft.com/office/powerpoint/2012/main" xmlns:ahyp="http://schemas.microsoft.com/office/drawing/2018/hyperlinkcolor">
+  <p:cSld>
+    <p:spTree>
+      <p:nvGrpSpPr>
+        <p:cNvPr id="133" name="Shape 133"/>
+        <p:cNvGrpSpPr/>
+        <p:nvPr/>
+      </p:nvGrpSpPr>
+      <p:grpSpPr>
+        <a:xfrm>
+          <a:off x="0" y="0"/>
+          <a:ext cx="0" cy="0"/>
+          <a:chOff x="0" y="0"/>
+          <a:chExt cx="0" cy="0"/>
+        </a:xfrm>
+      </p:grpSpPr>
+      <p:sp>
+        <p:nvSpPr>
+          <p:cNvPr id="134" name="Google Shape;134;p23"/>
+          <p:cNvSpPr txBox="1"/>
+          <p:nvPr>
+            <p:ph type="title"/>
+          </p:nvPr>
+        </p:nvSpPr>
+        <p:spPr>
+          <a:xfrm>
+            <a:off x="311700" y="445025"/>
+            <a:ext cx="8520600" cy="572700"/>
+          </a:xfrm>
+          <a:prstGeom prst="rect">
+            <a:avLst/>
+          </a:prstGeom>
+        </p:spPr>
+        <p:txBody>
+          <a:bodyPr anchorCtr="0" anchor="t" bIns="91425" lIns="91425" spcFirstLastPara="1" rIns="91425" wrap="square" tIns="91425">
+            <a:normAutofit fontScale="90000"/>
+          </a:bodyPr>
+          <a:lstStyle/>
+          <a:p>
+            <a:pPr indent="0" lvl="0" marL="0" rtl="0" algn="l">
+              <a:spcBef>
+                <a:spcPts val="0"/>
+              </a:spcBef>
+              <a:spcAft>
+                <a:spcPts val="0"/>
+              </a:spcAft>
+              <a:buNone/>
+            </a:pPr>
+            <a:r>
+              <a:rPr lang="uk"/>
+              <a:t>Slack</a:t>
+            </a:r>
+            <a:endParaRPr/>
+          </a:p>
+        </p:txBody>
+      </p:sp>
+      <p:sp>
+        <p:nvSpPr>
+          <p:cNvPr id="135" name="Google Shape;135;p23"/>
+          <p:cNvSpPr txBox="1"/>
+          <p:nvPr>
+            <p:ph idx="1" type="body"/>
+          </p:nvPr>
+        </p:nvSpPr>
+        <p:spPr>
+          <a:xfrm>
+            <a:off x="311700" y="1152475"/>
+            <a:ext cx="3999900" cy="3416400"/>
+          </a:xfrm>
+          <a:prstGeom prst="rect">
+            <a:avLst/>
+          </a:prstGeom>
+        </p:spPr>
+        <p:txBody>
+          <a:bodyPr anchorCtr="0" anchor="t" bIns="91425" lIns="91425" spcFirstLastPara="1" rIns="91425" wrap="square" tIns="91425">
+            <a:normAutofit/>
+          </a:bodyPr>
+          <a:lstStyle/>
+          <a:p>
+            <a:pPr indent="-323850" lvl="0" marL="457200" rtl="0" algn="l">
+              <a:spcBef>
+                <a:spcPts val="0"/>
+              </a:spcBef>
+              <a:spcAft>
+                <a:spcPts val="0"/>
+              </a:spcAft>
+              <a:buSzPts val="1500"/>
+              <a:buChar char="-"/>
+            </a:pPr>
+            <a:r>
+              <a:rPr lang="uk" sz="1500"/>
+              <a:t>Безкоштовна версія має обмеження в:</a:t>
+            </a:r>
+            <a:endParaRPr sz="1500"/>
+          </a:p>
+          <a:p>
+            <a:pPr indent="-323850" lvl="1" marL="914400" rtl="0" algn="l">
+              <a:spcBef>
+                <a:spcPts val="0"/>
+              </a:spcBef>
+              <a:spcAft>
+                <a:spcPts val="0"/>
+              </a:spcAft>
+              <a:buSzPts val="1500"/>
+              <a:buChar char="-"/>
+            </a:pPr>
+            <a:r>
+              <a:rPr lang="uk" sz="1500"/>
+              <a:t>часовому діапазоні, коли видно старі повідомлення</a:t>
+            </a:r>
+            <a:endParaRPr sz="1500"/>
+          </a:p>
+          <a:p>
+            <a:pPr indent="-323850" lvl="1" marL="914400" rtl="0" algn="l">
+              <a:spcBef>
+                <a:spcPts val="0"/>
+              </a:spcBef>
+              <a:spcAft>
+                <a:spcPts val="0"/>
+              </a:spcAft>
+              <a:buSzPts val="1500"/>
+              <a:buChar char="-"/>
+            </a:pPr>
+            <a:r>
+              <a:rPr lang="uk" sz="1500"/>
+              <a:t>сумарному обсязі і розмірі файлів</a:t>
+            </a:r>
+            <a:endParaRPr sz="1500"/>
+          </a:p>
+          <a:p>
+            <a:pPr indent="-323850" lvl="0" marL="457200" rtl="0" algn="l">
+              <a:spcBef>
+                <a:spcPts val="0"/>
+              </a:spcBef>
+              <a:spcAft>
+                <a:spcPts val="0"/>
+              </a:spcAft>
+              <a:buSzPts val="1500"/>
+              <a:buChar char="-"/>
+            </a:pPr>
+            <a:r>
+              <a:rPr lang="uk" sz="1500"/>
+              <a:t>Відсутність можливості самостійної організації чатів, каналів</a:t>
+            </a:r>
+            <a:endParaRPr sz="1500"/>
+          </a:p>
+          <a:p>
+            <a:pPr indent="-323850" lvl="0" marL="457200" rtl="0" algn="l">
+              <a:spcBef>
+                <a:spcPts val="0"/>
+              </a:spcBef>
+              <a:spcAft>
+                <a:spcPts val="0"/>
+              </a:spcAft>
+              <a:buSzPts val="1500"/>
+              <a:buChar char="-"/>
+            </a:pPr>
+            <a:r>
+              <a:rPr lang="uk" sz="1500"/>
+              <a:t>Відсутність мітки про те, що повідомлення надіслано або прочитано</a:t>
+            </a:r>
+            <a:endParaRPr sz="1500"/>
+          </a:p>
+        </p:txBody>
+      </p:sp>
+      <p:pic>
+        <p:nvPicPr>
+          <p:cNvPr id="136" name="Google Shape;136;p23"/>
+          <p:cNvPicPr preferRelativeResize="0"/>
+          <p:nvPr/>
+        </p:nvPicPr>
+        <p:blipFill>
+          <a:blip r:embed="rId3">
+            <a:alphaModFix/>
+          </a:blip>
+          <a:stretch>
+            <a:fillRect/>
+          </a:stretch>
+        </p:blipFill>
+        <p:spPr>
+          <a:xfrm>
+            <a:off x="4011048" y="170423"/>
+            <a:ext cx="1121900" cy="1121900"/>
+          </a:xfrm>
+          <a:prstGeom prst="rect">
+            <a:avLst/>
+          </a:prstGeom>
+          <a:noFill/>
+          <a:ln>
+            <a:noFill/>
+          </a:ln>
+        </p:spPr>
+      </p:pic>
+      <p:pic>
+        <p:nvPicPr>
+          <p:cNvPr id="137" name="Google Shape;137;p23"/>
+          <p:cNvPicPr preferRelativeResize="0"/>
+          <p:nvPr/>
+        </p:nvPicPr>
+        <p:blipFill>
+          <a:blip r:embed="rId4">
+            <a:alphaModFix/>
+          </a:blip>
+          <a:stretch>
+            <a:fillRect/>
+          </a:stretch>
+        </p:blipFill>
+        <p:spPr>
+          <a:xfrm>
+            <a:off x="4464000" y="1444722"/>
+            <a:ext cx="4527601" cy="2470564"/>
+          </a:xfrm>
+          <a:prstGeom prst="rect">
+            <a:avLst/>
+          </a:prstGeom>
+          <a:noFill/>
+          <a:ln cap="flat" cmpd="sng" w="38100">
+            <a:solidFill>
+              <a:schemeClr val="dk2"/>
+            </a:solidFill>
+            <a:prstDash val="solid"/>
+            <a:round/>
+            <a:headEnd len="sm" w="sm" type="none"/>
+            <a:tailEnd len="sm" w="sm" type="none"/>
+          </a:ln>
+        </p:spPr>
+      </p:pic>
+    </p:spTree>
+  </p:cSld>
+  <p:clrMapOvr>
+    <a:masterClrMapping/>
+  </p:clrMapOvr>
+</p:sld>
+</file>
+
+<file path=ppt/slides/slide12.xml><?xml version="1.0" encoding="utf-8"?>
+<p:sld xmlns:a="http://schemas.openxmlformats.org/drawingml/2006/main" xmlns:r="http://schemas.openxmlformats.org/officeDocument/2006/relationships" xmlns:mc="http://schemas.openxmlformats.org/markup-compatibility/2006" xmlns:mv="urn:schemas-microsoft-com:mac:vml" xmlns:p="http://schemas.openxmlformats.org/presentationml/2006/main" xmlns:c="http://schemas.openxmlformats.org/drawingml/2006/chart" xmlns:dgm="http://schemas.openxmlformats.org/drawingml/2006/diagram" xmlns:o="urn:schemas-microsoft-com:office:office" xmlns:v="urn:schemas-microsoft-com:vml" xmlns:pvml="urn:schemas-microsoft-com:office:powerpoint" xmlns:com="http://schemas.openxmlformats.org/drawingml/2006/compatibility" xmlns:p14="http://schemas.microsoft.com/office/powerpoint/2010/main" xmlns:p15="http://schemas.microsoft.com/office/powerpoint/2012/main" xmlns:ahyp="http://schemas.microsoft.com/office/drawing/2018/hyperlinkcolor">
+  <p:cSld>
+    <p:spTree>
+      <p:nvGrpSpPr>
+        <p:cNvPr id="141" name="Shape 141"/>
+        <p:cNvGrpSpPr/>
+        <p:nvPr/>
+      </p:nvGrpSpPr>
+      <p:grpSpPr>
+        <a:xfrm>
+          <a:off x="0" y="0"/>
+          <a:ext cx="0" cy="0"/>
+          <a:chOff x="0" y="0"/>
+          <a:chExt cx="0" cy="0"/>
+        </a:xfrm>
+      </p:grpSpPr>
+      <p:sp>
+        <p:nvSpPr>
+          <p:cNvPr id="142" name="Google Shape;142;p24"/>
+          <p:cNvSpPr txBox="1"/>
+          <p:nvPr>
+            <p:ph type="title"/>
+          </p:nvPr>
+        </p:nvSpPr>
+        <p:spPr>
+          <a:xfrm>
+            <a:off x="311700" y="445025"/>
+            <a:ext cx="8520600" cy="572700"/>
+          </a:xfrm>
+          <a:prstGeom prst="rect">
+            <a:avLst/>
+          </a:prstGeom>
+        </p:spPr>
+        <p:txBody>
+          <a:bodyPr anchorCtr="0" anchor="t" bIns="91425" lIns="91425" spcFirstLastPara="1" rIns="91425" wrap="square" tIns="91425">
+            <a:normAutofit fontScale="90000"/>
+          </a:bodyPr>
+          <a:lstStyle/>
+          <a:p>
+            <a:pPr indent="0" lvl="0" marL="0" rtl="0" algn="l">
+              <a:spcBef>
+                <a:spcPts val="0"/>
+              </a:spcBef>
+              <a:spcAft>
+                <a:spcPts val="0"/>
+              </a:spcAft>
+              <a:buNone/>
+            </a:pPr>
+            <a:r>
+              <a:rPr lang="uk"/>
+              <a:t>Whatsapp</a:t>
+            </a:r>
+            <a:endParaRPr/>
+          </a:p>
+        </p:txBody>
+      </p:sp>
+      <p:sp>
+        <p:nvSpPr>
+          <p:cNvPr id="143" name="Google Shape;143;p24"/>
+          <p:cNvSpPr txBox="1"/>
+          <p:nvPr>
+            <p:ph idx="1" type="body"/>
+          </p:nvPr>
+        </p:nvSpPr>
+        <p:spPr>
+          <a:xfrm>
+            <a:off x="311700" y="1152475"/>
+            <a:ext cx="3999900" cy="3416400"/>
+          </a:xfrm>
+          <a:prstGeom prst="rect">
+            <a:avLst/>
+          </a:prstGeom>
+        </p:spPr>
+        <p:txBody>
+          <a:bodyPr anchorCtr="0" anchor="t" bIns="91425" lIns="91425" spcFirstLastPara="1" rIns="91425" wrap="square" tIns="91425">
+            <a:normAutofit/>
+          </a:bodyPr>
+          <a:lstStyle/>
+          <a:p>
+            <a:pPr indent="-323850" lvl="0" marL="457200" rtl="0" algn="l">
+              <a:spcBef>
+                <a:spcPts val="0"/>
+              </a:spcBef>
+              <a:spcAft>
+                <a:spcPts val="0"/>
+              </a:spcAft>
+              <a:buSzPts val="1500"/>
+              <a:buChar char="+"/>
+            </a:pPr>
+            <a:r>
+              <a:rPr lang="uk" sz="1500"/>
+              <a:t>Відсутність реклами</a:t>
+            </a:r>
+            <a:endParaRPr sz="1500"/>
+          </a:p>
+          <a:p>
+            <a:pPr indent="-323850" lvl="0" marL="457200" rtl="0" algn="l">
+              <a:spcBef>
+                <a:spcPts val="0"/>
+              </a:spcBef>
+              <a:spcAft>
+                <a:spcPts val="0"/>
+              </a:spcAft>
+              <a:buSzPts val="1500"/>
+              <a:buChar char="+"/>
+            </a:pPr>
+            <a:r>
+              <a:rPr lang="uk" sz="1500"/>
+              <a:t>End-to-end шифрування для особистих переписок</a:t>
+            </a:r>
+            <a:endParaRPr sz="1500"/>
+          </a:p>
+          <a:p>
+            <a:pPr indent="-323850" lvl="0" marL="457200" rtl="0" algn="l">
+              <a:spcBef>
+                <a:spcPts val="0"/>
+              </a:spcBef>
+              <a:spcAft>
+                <a:spcPts val="0"/>
+              </a:spcAft>
+              <a:buSzPts val="1500"/>
+              <a:buChar char="+"/>
+            </a:pPr>
+            <a:r>
+              <a:rPr lang="uk" sz="1600"/>
+              <a:t>Можливість вимкнути сповіщення за розкладом</a:t>
+            </a:r>
+            <a:endParaRPr sz="1600"/>
+          </a:p>
+          <a:p>
+            <a:pPr indent="-330200" lvl="0" marL="457200" rtl="0" algn="l">
+              <a:spcBef>
+                <a:spcPts val="0"/>
+              </a:spcBef>
+              <a:spcAft>
+                <a:spcPts val="0"/>
+              </a:spcAft>
+              <a:buSzPts val="1600"/>
+              <a:buChar char="+"/>
+            </a:pPr>
+            <a:r>
+              <a:rPr lang="uk" sz="1600"/>
+              <a:t>Розсилка повідомлень багатьом користувачам напряму</a:t>
+            </a:r>
+            <a:endParaRPr sz="1600"/>
+          </a:p>
+          <a:p>
+            <a:pPr indent="-330200" lvl="0" marL="457200" rtl="0" algn="l">
+              <a:spcBef>
+                <a:spcPts val="0"/>
+              </a:spcBef>
+              <a:spcAft>
+                <a:spcPts val="0"/>
+              </a:spcAft>
+              <a:buSzPts val="1600"/>
+              <a:buChar char="+"/>
+            </a:pPr>
+            <a:r>
+              <a:rPr lang="uk" sz="1600"/>
+              <a:t>Підтримка stories, single view фотографій і відео</a:t>
+            </a:r>
+            <a:endParaRPr sz="1600"/>
+          </a:p>
+        </p:txBody>
+      </p:sp>
+      <p:pic>
+        <p:nvPicPr>
+          <p:cNvPr id="144" name="Google Shape;144;p24"/>
+          <p:cNvPicPr preferRelativeResize="0"/>
+          <p:nvPr/>
+        </p:nvPicPr>
+        <p:blipFill>
+          <a:blip r:embed="rId3">
+            <a:alphaModFix/>
+          </a:blip>
+          <a:stretch>
+            <a:fillRect/>
+          </a:stretch>
+        </p:blipFill>
+        <p:spPr>
+          <a:xfrm>
+            <a:off x="3976100" y="135475"/>
+            <a:ext cx="1191800" cy="1191800"/>
+          </a:xfrm>
+          <a:prstGeom prst="rect">
+            <a:avLst/>
+          </a:prstGeom>
+          <a:noFill/>
+          <a:ln>
+            <a:noFill/>
+          </a:ln>
+        </p:spPr>
+      </p:pic>
+      <p:pic>
+        <p:nvPicPr>
+          <p:cNvPr id="145" name="Google Shape;145;p24"/>
+          <p:cNvPicPr preferRelativeResize="0"/>
+          <p:nvPr/>
+        </p:nvPicPr>
+        <p:blipFill>
+          <a:blip r:embed="rId4">
+            <a:alphaModFix/>
+          </a:blip>
+          <a:stretch>
+            <a:fillRect/>
+          </a:stretch>
+        </p:blipFill>
+        <p:spPr>
+          <a:xfrm>
+            <a:off x="4464000" y="1479675"/>
+            <a:ext cx="4527600" cy="2546775"/>
+          </a:xfrm>
+          <a:prstGeom prst="rect">
+            <a:avLst/>
+          </a:prstGeom>
+          <a:noFill/>
+          <a:ln cap="flat" cmpd="sng" w="38100">
+            <a:solidFill>
+              <a:schemeClr val="dk2"/>
+            </a:solidFill>
+            <a:prstDash val="solid"/>
+            <a:round/>
+            <a:headEnd len="sm" w="sm" type="none"/>
+            <a:tailEnd len="sm" w="sm" type="none"/>
+          </a:ln>
+        </p:spPr>
+      </p:pic>
+    </p:spTree>
+  </p:cSld>
+  <p:clrMapOvr>
+    <a:masterClrMapping/>
+  </p:clrMapOvr>
+</p:sld>
+</file>
+
+<file path=ppt/slides/slide13.xml><?xml version="1.0" encoding="utf-8"?>
+<p:sld xmlns:a="http://schemas.openxmlformats.org/drawingml/2006/main" xmlns:r="http://schemas.openxmlformats.org/officeDocument/2006/relationships" xmlns:mc="http://schemas.openxmlformats.org/markup-compatibility/2006" xmlns:mv="urn:schemas-microsoft-com:mac:vml" xmlns:p="http://schemas.openxmlformats.org/presentationml/2006/main" xmlns:c="http://schemas.openxmlformats.org/drawingml/2006/chart" xmlns:dgm="http://schemas.openxmlformats.org/drawingml/2006/diagram" xmlns:o="urn:schemas-microsoft-com:office:office" xmlns:v="urn:schemas-microsoft-com:vml" xmlns:pvml="urn:schemas-microsoft-com:office:powerpoint" xmlns:com="http://schemas.openxmlformats.org/drawingml/2006/compatibility" xmlns:p14="http://schemas.microsoft.com/office/powerpoint/2010/main" xmlns:p15="http://schemas.microsoft.com/office/powerpoint/2012/main" xmlns:ahyp="http://schemas.microsoft.com/office/drawing/2018/hyperlinkcolor">
+  <p:cSld>
+    <p:spTree>
+      <p:nvGrpSpPr>
+        <p:cNvPr id="149" name="Shape 149"/>
+        <p:cNvGrpSpPr/>
+        <p:nvPr/>
+      </p:nvGrpSpPr>
+      <p:grpSpPr>
+        <a:xfrm>
+          <a:off x="0" y="0"/>
+          <a:ext cx="0" cy="0"/>
+          <a:chOff x="0" y="0"/>
+          <a:chExt cx="0" cy="0"/>
+        </a:xfrm>
+      </p:grpSpPr>
+      <p:sp>
+        <p:nvSpPr>
+          <p:cNvPr id="150" name="Google Shape;150;p25"/>
+          <p:cNvSpPr txBox="1"/>
+          <p:nvPr>
+            <p:ph type="title"/>
+          </p:nvPr>
+        </p:nvSpPr>
+        <p:spPr>
+          <a:xfrm>
+            <a:off x="311700" y="445025"/>
+            <a:ext cx="8520600" cy="572700"/>
+          </a:xfrm>
+          <a:prstGeom prst="rect">
+            <a:avLst/>
+          </a:prstGeom>
+        </p:spPr>
+        <p:txBody>
+          <a:bodyPr anchorCtr="0" anchor="t" bIns="91425" lIns="91425" spcFirstLastPara="1" rIns="91425" wrap="square" tIns="91425">
+            <a:normAutofit fontScale="90000"/>
+          </a:bodyPr>
+          <a:lstStyle/>
+          <a:p>
+            <a:pPr indent="0" lvl="0" marL="0" rtl="0" algn="l">
+              <a:spcBef>
+                <a:spcPts val="0"/>
+              </a:spcBef>
+              <a:spcAft>
+                <a:spcPts val="0"/>
+              </a:spcAft>
+              <a:buNone/>
+            </a:pPr>
+            <a:r>
+              <a:rPr lang="uk"/>
+              <a:t>Whatsapp</a:t>
+            </a:r>
+            <a:endParaRPr/>
+          </a:p>
+        </p:txBody>
+      </p:sp>
+      <p:sp>
+        <p:nvSpPr>
+          <p:cNvPr id="151" name="Google Shape;151;p25"/>
+          <p:cNvSpPr txBox="1"/>
+          <p:nvPr>
+            <p:ph idx="1" type="body"/>
+          </p:nvPr>
+        </p:nvSpPr>
+        <p:spPr>
+          <a:xfrm>
+            <a:off x="311700" y="1152475"/>
+            <a:ext cx="3999900" cy="3416400"/>
+          </a:xfrm>
+          <a:prstGeom prst="rect">
+            <a:avLst/>
+          </a:prstGeom>
+        </p:spPr>
+        <p:txBody>
+          <a:bodyPr anchorCtr="0" anchor="t" bIns="91425" lIns="91425" spcFirstLastPara="1" rIns="91425" wrap="square" tIns="91425">
+            <a:normAutofit/>
+          </a:bodyPr>
+          <a:lstStyle/>
+          <a:p>
+            <a:pPr indent="-330200" lvl="0" marL="457200" rtl="0" algn="l">
+              <a:spcBef>
+                <a:spcPts val="0"/>
+              </a:spcBef>
+              <a:spcAft>
+                <a:spcPts val="0"/>
+              </a:spcAft>
+              <a:buSzPts val="1600"/>
+              <a:buChar char="-"/>
+            </a:pPr>
+            <a:r>
+              <a:rPr lang="uk" sz="1600"/>
+              <a:t>Активне стеження, використання даних для персоналізованої реклами</a:t>
+            </a:r>
+            <a:endParaRPr sz="1600"/>
+          </a:p>
+          <a:p>
+            <a:pPr indent="-330200" lvl="0" marL="457200" rtl="0" algn="l">
+              <a:spcBef>
+                <a:spcPts val="0"/>
+              </a:spcBef>
+              <a:spcAft>
+                <a:spcPts val="0"/>
+              </a:spcAft>
+              <a:buSzPts val="1600"/>
+              <a:buChar char="-"/>
+            </a:pPr>
+            <a:r>
+              <a:rPr lang="uk" sz="1600"/>
+              <a:t>Обмеження в 100 Мб для файлів</a:t>
+            </a:r>
+            <a:endParaRPr sz="1600"/>
+          </a:p>
+          <a:p>
+            <a:pPr indent="-330200" lvl="0" marL="457200" rtl="0" algn="l">
+              <a:spcBef>
+                <a:spcPts val="0"/>
+              </a:spcBef>
+              <a:spcAft>
+                <a:spcPts val="0"/>
+              </a:spcAft>
+              <a:buSzPts val="1600"/>
+              <a:buChar char="-"/>
+            </a:pPr>
+            <a:r>
+              <a:rPr lang="uk" sz="1600"/>
+              <a:t>Обмеження в 250 осіб для групових чатів</a:t>
+            </a:r>
+            <a:endParaRPr sz="1600"/>
+          </a:p>
+          <a:p>
+            <a:pPr indent="-330200" lvl="0" marL="457200" rtl="0" algn="l">
+              <a:spcBef>
+                <a:spcPts val="0"/>
+              </a:spcBef>
+              <a:spcAft>
+                <a:spcPts val="0"/>
+              </a:spcAft>
+              <a:buSzPts val="1600"/>
+              <a:buChar char="-"/>
+            </a:pPr>
+            <a:r>
+              <a:rPr lang="uk" sz="1600"/>
+              <a:t>Певні побоювання щодо безпеки</a:t>
+            </a:r>
+            <a:endParaRPr sz="1600"/>
+          </a:p>
+          <a:p>
+            <a:pPr indent="-330200" lvl="0" marL="457200" rtl="0" algn="l">
+              <a:spcBef>
+                <a:spcPts val="0"/>
+              </a:spcBef>
+              <a:spcAft>
+                <a:spcPts val="0"/>
+              </a:spcAft>
+              <a:buSzPts val="1600"/>
+              <a:buChar char="-"/>
+            </a:pPr>
+            <a:r>
+              <a:rPr lang="uk" sz="1600"/>
+              <a:t>Неможливість перейменувати контакти</a:t>
+            </a:r>
+            <a:endParaRPr sz="1600"/>
+          </a:p>
+        </p:txBody>
+      </p:sp>
+      <p:pic>
+        <p:nvPicPr>
+          <p:cNvPr id="152" name="Google Shape;152;p25"/>
+          <p:cNvPicPr preferRelativeResize="0"/>
+          <p:nvPr/>
+        </p:nvPicPr>
+        <p:blipFill>
+          <a:blip r:embed="rId3">
+            <a:alphaModFix/>
+          </a:blip>
+          <a:stretch>
+            <a:fillRect/>
+          </a:stretch>
+        </p:blipFill>
+        <p:spPr>
+          <a:xfrm>
+            <a:off x="3976100" y="135475"/>
+            <a:ext cx="1191800" cy="1191800"/>
+          </a:xfrm>
+          <a:prstGeom prst="rect">
+            <a:avLst/>
+          </a:prstGeom>
+          <a:noFill/>
+          <a:ln>
+            <a:noFill/>
+          </a:ln>
+        </p:spPr>
+      </p:pic>
+      <p:pic>
+        <p:nvPicPr>
+          <p:cNvPr id="153" name="Google Shape;153;p25"/>
+          <p:cNvPicPr preferRelativeResize="0"/>
+          <p:nvPr/>
+        </p:nvPicPr>
+        <p:blipFill>
+          <a:blip r:embed="rId4">
+            <a:alphaModFix/>
+          </a:blip>
+          <a:stretch>
+            <a:fillRect/>
+          </a:stretch>
+        </p:blipFill>
+        <p:spPr>
+          <a:xfrm>
+            <a:off x="4464000" y="1479675"/>
+            <a:ext cx="4527600" cy="2546775"/>
+          </a:xfrm>
+          <a:prstGeom prst="rect">
+            <a:avLst/>
+          </a:prstGeom>
+          <a:noFill/>
+          <a:ln cap="flat" cmpd="sng" w="38100">
+            <a:solidFill>
+              <a:schemeClr val="dk2"/>
+            </a:solidFill>
+            <a:prstDash val="solid"/>
+            <a:round/>
+            <a:headEnd len="sm" w="sm" type="none"/>
+            <a:tailEnd len="sm" w="sm" type="none"/>
+          </a:ln>
+        </p:spPr>
+      </p:pic>
+    </p:spTree>
+  </p:cSld>
+  <p:clrMapOvr>
+    <a:masterClrMapping/>
+  </p:clrMapOvr>
+</p:sld>
+</file>
+
+<file path=ppt/slides/slide14.xml><?xml version="1.0" encoding="utf-8"?>
+<p:sld xmlns:a="http://schemas.openxmlformats.org/drawingml/2006/main" xmlns:r="http://schemas.openxmlformats.org/officeDocument/2006/relationships" xmlns:mc="http://schemas.openxmlformats.org/markup-compatibility/2006" xmlns:mv="urn:schemas-microsoft-com:mac:vml" xmlns:p="http://schemas.openxmlformats.org/presentationml/2006/main" xmlns:c="http://schemas.openxmlformats.org/drawingml/2006/chart" xmlns:dgm="http://schemas.openxmlformats.org/drawingml/2006/diagram" xmlns:o="urn:schemas-microsoft-com:office:office" xmlns:v="urn:schemas-microsoft-com:vml" xmlns:pvml="urn:schemas-microsoft-com:office:powerpoint" xmlns:com="http://schemas.openxmlformats.org/drawingml/2006/compatibility" xmlns:p14="http://schemas.microsoft.com/office/powerpoint/2010/main" xmlns:p15="http://schemas.microsoft.com/office/powerpoint/2012/main" xmlns:ahyp="http://schemas.microsoft.com/office/drawing/2018/hyperlinkcolor">
+  <p:cSld>
+    <p:spTree>
+      <p:nvGrpSpPr>
+        <p:cNvPr id="157" name="Shape 157"/>
+        <p:cNvGrpSpPr/>
+        <p:nvPr/>
+      </p:nvGrpSpPr>
+      <p:grpSpPr>
+        <a:xfrm>
+          <a:off x="0" y="0"/>
+          <a:ext cx="0" cy="0"/>
+          <a:chOff x="0" y="0"/>
+          <a:chExt cx="0" cy="0"/>
+        </a:xfrm>
+      </p:grpSpPr>
+      <p:sp>
+        <p:nvSpPr>
+          <p:cNvPr id="158" name="Google Shape;158;p26"/>
+          <p:cNvSpPr txBox="1"/>
+          <p:nvPr>
+            <p:ph type="title"/>
+          </p:nvPr>
+        </p:nvSpPr>
+        <p:spPr>
+          <a:xfrm>
+            <a:off x="2094100" y="259025"/>
+            <a:ext cx="6589200" cy="572700"/>
+          </a:xfrm>
+          <a:prstGeom prst="rect">
+            <a:avLst/>
+          </a:prstGeom>
+        </p:spPr>
+        <p:txBody>
+          <a:bodyPr anchorCtr="0" anchor="t" bIns="91425" lIns="91425" spcFirstLastPara="1" rIns="91425" wrap="square" tIns="91425">
+            <a:normAutofit fontScale="90000"/>
+          </a:bodyPr>
+          <a:lstStyle/>
+          <a:p>
+            <a:pPr indent="0" lvl="0" marL="0" rtl="0" algn="l">
+              <a:spcBef>
+                <a:spcPts val="0"/>
+              </a:spcBef>
+              <a:spcAft>
+                <a:spcPts val="0"/>
+              </a:spcAft>
+              <a:buNone/>
+            </a:pPr>
+            <a:r>
+              <a:rPr lang="uk"/>
+              <a:t>Дякуємо за увагу!</a:t>
+            </a:r>
+            <a:endParaRPr/>
+          </a:p>
+          <a:p>
+            <a:pPr indent="0" lvl="0" marL="0" rtl="0" algn="l">
+              <a:spcBef>
+                <a:spcPts val="0"/>
+              </a:spcBef>
+              <a:spcAft>
+                <a:spcPts val="0"/>
+              </a:spcAft>
+              <a:buNone/>
+            </a:pPr>
+            <a:r>
+              <a:t/>
+            </a:r>
+            <a:endParaRPr/>
+          </a:p>
+        </p:txBody>
+      </p:sp>
+      <p:pic>
+        <p:nvPicPr>
+          <p:cNvPr id="159" name="Google Shape;159;p26"/>
+          <p:cNvPicPr preferRelativeResize="0"/>
+          <p:nvPr/>
+        </p:nvPicPr>
+        <p:blipFill>
+          <a:blip r:embed="rId3">
+            <a:alphaModFix/>
+          </a:blip>
+          <a:stretch>
+            <a:fillRect/>
+          </a:stretch>
+        </p:blipFill>
+        <p:spPr>
+          <a:xfrm rot="10800000">
+            <a:off x="6472250" y="41000"/>
+            <a:ext cx="2211050" cy="2211050"/>
+          </a:xfrm>
+          <a:prstGeom prst="rect">
+            <a:avLst/>
+          </a:prstGeom>
+          <a:noFill/>
+          <a:ln>
+            <a:noFill/>
+          </a:ln>
+        </p:spPr>
+      </p:pic>
+    </p:spTree>
+  </p:cSld>
+  <p:clrMapOvr>
+    <a:masterClrMapping/>
+  </p:clrMapOvr>
+</p:sld>
+</file>
+
 <file path=ppt/slides/slide2.xml><?xml version="1.0" encoding="utf-8"?>
 <p:sld xmlns:a="http://schemas.openxmlformats.org/drawingml/2006/main" xmlns:r="http://schemas.openxmlformats.org/officeDocument/2006/relationships" xmlns:mc="http://schemas.openxmlformats.org/markup-compatibility/2006" xmlns:mv="urn:schemas-microsoft-com:mac:vml" xmlns:p="http://schemas.openxmlformats.org/presentationml/2006/main" xmlns:c="http://schemas.openxmlformats.org/drawingml/2006/chart" xmlns:dgm="http://schemas.openxmlformats.org/drawingml/2006/diagram" xmlns:o="urn:schemas-microsoft-com:office:office" xmlns:v="urn:schemas-microsoft-com:vml" xmlns:pvml="urn:schemas-microsoft-com:office:powerpoint" xmlns:com="http://schemas.openxmlformats.org/drawingml/2006/compatibility" xmlns:p14="http://schemas.microsoft.com/office/powerpoint/2010/main" xmlns:p15="http://schemas.microsoft.com/office/powerpoint/2012/main" xmlns:ahyp="http://schemas.microsoft.com/office/drawing/2018/hyperlinkcolor">
   <p:cSld>
@@ -6170,7 +8077,7 @@
         <p:spPr>
           <a:xfrm>
             <a:off x="311700" y="1152475"/>
-            <a:ext cx="3999900" cy="3416400"/>
+            <a:ext cx="3999900" cy="3642600"/>
           </a:xfrm>
           <a:prstGeom prst="rect">
             <a:avLst/>
@@ -6199,7 +8106,24 @@
             <a:endParaRPr sz="1500"/>
           </a:p>
           <a:p>
-            <a:pPr indent="0" lvl="0" marL="457200" rtl="0" algn="l">
+            <a:pPr indent="-323850" lvl="0" marL="457200" rtl="0" algn="l">
+              <a:spcBef>
+                <a:spcPts val="0"/>
+              </a:spcBef>
+              <a:spcAft>
+                <a:spcPts val="0"/>
+              </a:spcAft>
+              <a:buSzPts val="1500"/>
+              <a:buChar char="●"/>
+            </a:pPr>
+            <a:r>
+              <a:rPr lang="uk" sz="1500"/>
+              <a:t>Вирішує проблему комунікації між особами, що знаходяться на далекій відстані. Мета - швидкість і безпека.</a:t>
+            </a:r>
+            <a:endParaRPr sz="1500"/>
+          </a:p>
+          <a:p>
+            <a:pPr indent="0" lvl="0" marL="0" rtl="0" algn="l">
               <a:spcBef>
                 <a:spcPts val="1200"/>
               </a:spcBef>
@@ -6230,68 +8154,11 @@
             </a:r>
             <a:endParaRPr sz="1500"/>
           </a:p>
-          <a:p>
-            <a:pPr indent="-323850" lvl="0" marL="457200" rtl="0" algn="l">
-              <a:spcBef>
-                <a:spcPts val="0"/>
-              </a:spcBef>
-              <a:spcAft>
-                <a:spcPts val="0"/>
-              </a:spcAft>
-              <a:buSzPts val="1500"/>
-              <a:buChar char="●"/>
-            </a:pPr>
-            <a:r>
-              <a:rPr lang="uk" sz="1500"/>
-              <a:t>Вікові і мовні обмеження відсутні.</a:t>
-            </a:r>
-            <a:endParaRPr sz="1500"/>
-          </a:p>
-        </p:txBody>
-      </p:sp>
-      <p:sp>
-        <p:nvSpPr>
-          <p:cNvPr id="62" name="Google Shape;62;p14"/>
-          <p:cNvSpPr txBox="1"/>
-          <p:nvPr>
-            <p:ph type="title"/>
-          </p:nvPr>
-        </p:nvSpPr>
-        <p:spPr>
-          <a:xfrm>
-            <a:off x="311700" y="2285400"/>
-            <a:ext cx="4260300" cy="572700"/>
-          </a:xfrm>
-          <a:prstGeom prst="rect">
-            <a:avLst/>
-          </a:prstGeom>
-        </p:spPr>
-        <p:txBody>
-          <a:bodyPr anchorCtr="0" anchor="t" bIns="91425" lIns="91425" spcFirstLastPara="1" rIns="91425" wrap="square" tIns="91425">
-            <a:normAutofit fontScale="90000"/>
-          </a:bodyPr>
-          <a:lstStyle/>
-          <a:p>
-            <a:pPr indent="0" lvl="0" marL="0" rtl="0" algn="l">
-              <a:spcBef>
-                <a:spcPts val="0"/>
-              </a:spcBef>
-              <a:spcAft>
-                <a:spcPts val="0"/>
-              </a:spcAft>
-              <a:buNone/>
-            </a:pPr>
-            <a:r>
-              <a:rPr lang="uk"/>
-              <a:t>Цільова аудиторія</a:t>
-            </a:r>
-            <a:endParaRPr/>
-          </a:p>
         </p:txBody>
       </p:sp>
       <p:pic>
         <p:nvPicPr>
-          <p:cNvPr id="63" name="Google Shape;63;p14"/>
+          <p:cNvPr id="62" name="Google Shape;62;p14"/>
           <p:cNvPicPr preferRelativeResize="0"/>
           <p:nvPr/>
         </p:nvPicPr>
@@ -6317,6 +8184,46 @@
           </a:ln>
         </p:spPr>
       </p:pic>
+      <p:sp>
+        <p:nvSpPr>
+          <p:cNvPr id="63" name="Google Shape;63;p14"/>
+          <p:cNvSpPr txBox="1"/>
+          <p:nvPr>
+            <p:ph type="title"/>
+          </p:nvPr>
+        </p:nvSpPr>
+        <p:spPr>
+          <a:xfrm>
+            <a:off x="311700" y="3076975"/>
+            <a:ext cx="8520600" cy="572700"/>
+          </a:xfrm>
+          <a:prstGeom prst="rect">
+            <a:avLst/>
+          </a:prstGeom>
+        </p:spPr>
+        <p:txBody>
+          <a:bodyPr anchorCtr="0" anchor="t" bIns="91425" lIns="91425" spcFirstLastPara="1" rIns="91425" wrap="square" tIns="91425">
+            <a:normAutofit fontScale="90000"/>
+          </a:bodyPr>
+          <a:lstStyle/>
+          <a:p>
+            <a:pPr indent="0" lvl="0" marL="0" rtl="0" algn="l">
+              <a:spcBef>
+                <a:spcPts val="0"/>
+              </a:spcBef>
+              <a:spcAft>
+                <a:spcPts val="0"/>
+              </a:spcAft>
+              <a:buNone/>
+            </a:pPr>
+            <a:r>
+              <a:rPr lang="uk"/>
+              <a:t>Цільова аудиторія</a:t>
+            </a:r>
+            <a:endParaRPr/>
+          </a:p>
+        </p:txBody>
+      </p:sp>
     </p:spTree>
   </p:cSld>
   <p:clrMapOvr>
@@ -6451,7 +8358,41 @@
             </a:pPr>
             <a:r>
               <a:rPr lang="uk" sz="1500"/>
-              <a:t>Можливість надсилати файли відносно невеликого розміру без обмежень;</a:t>
+              <a:t>Можливість надсилати й пересилати файли відносно невеликого розміру без обмежень;</a:t>
+            </a:r>
+            <a:endParaRPr sz="1500"/>
+          </a:p>
+          <a:p>
+            <a:pPr indent="-323850" lvl="0" marL="457200" rtl="0" algn="l">
+              <a:spcBef>
+                <a:spcPts val="0"/>
+              </a:spcBef>
+              <a:spcAft>
+                <a:spcPts val="0"/>
+              </a:spcAft>
+              <a:buSzPts val="1500"/>
+              <a:buChar char="●"/>
+            </a:pPr>
+            <a:r>
+              <a:rPr lang="uk" sz="1500"/>
+              <a:t>Поділ користувачів в чатах на адміністраторів і звичайних</a:t>
+            </a:r>
+            <a:endParaRPr sz="1500"/>
+          </a:p>
+          <a:p>
+            <a:pPr indent="-323850" lvl="0" marL="457200" rtl="0" algn="l">
+              <a:spcBef>
+                <a:spcPts val="0"/>
+              </a:spcBef>
+              <a:spcAft>
+                <a:spcPts val="0"/>
+              </a:spcAft>
+              <a:buSzPts val="1500"/>
+              <a:buChar char="●"/>
+            </a:pPr>
+            <a:r>
+              <a:rPr lang="uk" sz="1500"/>
+              <a:t>Глобальний поділ користувачів на звичайних і преміум</a:t>
             </a:r>
             <a:endParaRPr sz="1500"/>
           </a:p>
@@ -7064,30 +9005,184 @@
             </a:pPr>
             <a:r>
               <a:rPr lang="uk"/>
-              <a:t>Дякуємо за увагу!</a:t>
-            </a:r>
-            <a:endParaRPr/>
-          </a:p>
-          <a:p>
-            <a:pPr indent="0" lvl="0" marL="0" rtl="0" algn="l">
-              <a:spcBef>
-                <a:spcPts val="0"/>
-              </a:spcBef>
-              <a:spcAft>
-                <a:spcPts val="0"/>
-              </a:spcAft>
-              <a:buNone/>
-            </a:pPr>
-            <a:r>
-              <a:t/>
+              <a:t>Telegram</a:t>
             </a:r>
             <a:endParaRPr/>
           </a:p>
         </p:txBody>
       </p:sp>
+      <p:sp>
+        <p:nvSpPr>
+          <p:cNvPr id="95" name="Google Shape;95;p18"/>
+          <p:cNvSpPr txBox="1"/>
+          <p:nvPr>
+            <p:ph idx="1" type="body"/>
+          </p:nvPr>
+        </p:nvSpPr>
+        <p:spPr>
+          <a:xfrm>
+            <a:off x="311700" y="1152475"/>
+            <a:ext cx="3999900" cy="3499200"/>
+          </a:xfrm>
+          <a:prstGeom prst="rect">
+            <a:avLst/>
+          </a:prstGeom>
+          <a:noFill/>
+        </p:spPr>
+        <p:txBody>
+          <a:bodyPr anchorCtr="0" anchor="t" bIns="91425" lIns="91425" spcFirstLastPara="1" rIns="91425" wrap="square" tIns="91425">
+            <a:normAutofit/>
+          </a:bodyPr>
+          <a:lstStyle/>
+          <a:p>
+            <a:pPr indent="-323850" lvl="0" marL="457200" rtl="0" algn="l">
+              <a:spcBef>
+                <a:spcPts val="0"/>
+              </a:spcBef>
+              <a:spcAft>
+                <a:spcPts val="0"/>
+              </a:spcAft>
+              <a:buSzPts val="1500"/>
+              <a:buChar char="+"/>
+            </a:pPr>
+            <a:r>
+              <a:rPr lang="uk" sz="1500"/>
+              <a:t>Гнучкі налаштування інтерфейсу, налаштування </a:t>
+            </a:r>
+            <a:r>
+              <a:rPr lang="uk" sz="1500"/>
+              <a:t>конфіденційності;</a:t>
+            </a:r>
+            <a:endParaRPr sz="1500"/>
+          </a:p>
+          <a:p>
+            <a:pPr indent="-323850" lvl="0" marL="457200" rtl="0" algn="l">
+              <a:spcBef>
+                <a:spcPts val="0"/>
+              </a:spcBef>
+              <a:spcAft>
+                <a:spcPts val="0"/>
+              </a:spcAft>
+              <a:buSzPts val="1500"/>
+              <a:buChar char="+"/>
+            </a:pPr>
+            <a:r>
+              <a:rPr lang="uk" sz="1500"/>
+              <a:t>Збереження вмісту в хмарі;</a:t>
+            </a:r>
+            <a:endParaRPr sz="1500"/>
+          </a:p>
+          <a:p>
+            <a:pPr indent="-323850" lvl="0" marL="457200" rtl="0" algn="l">
+              <a:spcBef>
+                <a:spcPts val="0"/>
+              </a:spcBef>
+              <a:spcAft>
+                <a:spcPts val="0"/>
+              </a:spcAft>
+              <a:buSzPts val="1500"/>
+              <a:buChar char="+"/>
+            </a:pPr>
+            <a:r>
+              <a:rPr lang="uk" sz="1500"/>
+              <a:t>М</a:t>
+            </a:r>
+            <a:r>
+              <a:rPr lang="uk" sz="1500"/>
+              <a:t>ожливість архівувати важливі чати;</a:t>
+            </a:r>
+            <a:endParaRPr sz="1500"/>
+          </a:p>
+          <a:p>
+            <a:pPr indent="-323850" lvl="0" marL="457200" rtl="0" algn="l">
+              <a:spcBef>
+                <a:spcPts val="0"/>
+              </a:spcBef>
+              <a:spcAft>
+                <a:spcPts val="0"/>
+              </a:spcAft>
+              <a:buSzPts val="1500"/>
+              <a:buChar char="+"/>
+            </a:pPr>
+            <a:r>
+              <a:rPr lang="uk" sz="1500"/>
+              <a:t>Вхід з декількох пристроїв, з декількома акаунтами, синхронізація;</a:t>
+            </a:r>
+            <a:endParaRPr sz="1500"/>
+          </a:p>
+          <a:p>
+            <a:pPr indent="-323850" lvl="0" marL="457200" rtl="0" algn="l">
+              <a:spcBef>
+                <a:spcPts val="0"/>
+              </a:spcBef>
+              <a:spcAft>
+                <a:spcPts val="0"/>
+              </a:spcAft>
+              <a:buSzPts val="1500"/>
+              <a:buChar char="+"/>
+            </a:pPr>
+            <a:r>
+              <a:rPr lang="uk" sz="1500"/>
+              <a:t>Можливість надсилати файли до 2 Гб без обмежень на кількість;</a:t>
+            </a:r>
+            <a:endParaRPr sz="1500"/>
+          </a:p>
+          <a:p>
+            <a:pPr indent="-323850" lvl="0" marL="457200" rtl="0" algn="l">
+              <a:spcBef>
+                <a:spcPts val="0"/>
+              </a:spcBef>
+              <a:spcAft>
+                <a:spcPts val="0"/>
+              </a:spcAft>
+              <a:buSzPts val="1500"/>
+              <a:buChar char="+"/>
+            </a:pPr>
+            <a:r>
+              <a:rPr lang="uk" sz="1500"/>
+              <a:t>Обробка зображень і відео;</a:t>
+            </a:r>
+            <a:endParaRPr sz="1500"/>
+          </a:p>
+          <a:p>
+            <a:pPr indent="-323850" lvl="0" marL="457200" rtl="0" algn="l">
+              <a:spcBef>
+                <a:spcPts val="0"/>
+              </a:spcBef>
+              <a:spcAft>
+                <a:spcPts val="0"/>
+              </a:spcAft>
+              <a:buSzPts val="1500"/>
+              <a:buChar char="+"/>
+            </a:pPr>
+            <a:r>
+              <a:rPr lang="uk" sz="1500"/>
+              <a:t>Простота і гнучкість інтеграції ботів;</a:t>
+            </a:r>
+            <a:endParaRPr sz="1500"/>
+          </a:p>
+          <a:p>
+            <a:pPr indent="-323850" lvl="0" marL="457200" rtl="0" algn="l">
+              <a:spcBef>
+                <a:spcPts val="0"/>
+              </a:spcBef>
+              <a:spcAft>
+                <a:spcPts val="0"/>
+              </a:spcAft>
+              <a:buSzPts val="1500"/>
+              <a:buChar char="+"/>
+            </a:pPr>
+            <a:r>
+              <a:rPr lang="uk" sz="1500"/>
+              <a:t>Стікери, реакції, папки, ненав’язлива реклама …</a:t>
+            </a:r>
+            <a:endParaRPr sz="1500"/>
+          </a:p>
+        </p:txBody>
+      </p:sp>
       <p:pic>
         <p:nvPicPr>
-          <p:cNvPr id="95" name="Google Shape;95;p18"/>
+          <p:cNvPr id="96" name="Google Shape;96;p18"/>
           <p:cNvPicPr preferRelativeResize="0"/>
           <p:nvPr/>
         </p:nvPicPr>
@@ -7100,9 +9195,723 @@
           </a:stretch>
         </p:blipFill>
         <p:spPr>
-          <a:xfrm rot="10800000">
-            <a:off x="6472250" y="41000"/>
-            <a:ext cx="2211050" cy="2211050"/>
+          <a:xfrm>
+            <a:off x="5828813" y="91075"/>
+            <a:ext cx="1280600" cy="1280600"/>
+          </a:xfrm>
+          <a:prstGeom prst="rect">
+            <a:avLst/>
+          </a:prstGeom>
+          <a:noFill/>
+          <a:ln>
+            <a:noFill/>
+          </a:ln>
+        </p:spPr>
+      </p:pic>
+      <p:pic>
+        <p:nvPicPr>
+          <p:cNvPr id="97" name="Google Shape;97;p18"/>
+          <p:cNvPicPr preferRelativeResize="0"/>
+          <p:nvPr/>
+        </p:nvPicPr>
+        <p:blipFill>
+          <a:blip r:embed="rId4">
+            <a:alphaModFix/>
+          </a:blip>
+          <a:stretch>
+            <a:fillRect/>
+          </a:stretch>
+        </p:blipFill>
+        <p:spPr>
+          <a:xfrm>
+            <a:off x="4571995" y="1673475"/>
+            <a:ext cx="4315030" cy="2777801"/>
+          </a:xfrm>
+          <a:prstGeom prst="rect">
+            <a:avLst/>
+          </a:prstGeom>
+          <a:noFill/>
+          <a:ln cap="flat" cmpd="sng" w="38100">
+            <a:solidFill>
+              <a:schemeClr val="dk2"/>
+            </a:solidFill>
+            <a:prstDash val="solid"/>
+            <a:round/>
+            <a:headEnd len="sm" w="sm" type="none"/>
+            <a:tailEnd len="sm" w="sm" type="none"/>
+          </a:ln>
+        </p:spPr>
+      </p:pic>
+    </p:spTree>
+  </p:cSld>
+  <p:clrMapOvr>
+    <a:masterClrMapping/>
+  </p:clrMapOvr>
+</p:sld>
+</file>
+
+<file path=ppt/slides/slide7.xml><?xml version="1.0" encoding="utf-8"?>
+<p:sld xmlns:a="http://schemas.openxmlformats.org/drawingml/2006/main" xmlns:r="http://schemas.openxmlformats.org/officeDocument/2006/relationships" xmlns:mc="http://schemas.openxmlformats.org/markup-compatibility/2006" xmlns:mv="urn:schemas-microsoft-com:mac:vml" xmlns:p="http://schemas.openxmlformats.org/presentationml/2006/main" xmlns:c="http://schemas.openxmlformats.org/drawingml/2006/chart" xmlns:dgm="http://schemas.openxmlformats.org/drawingml/2006/diagram" xmlns:o="urn:schemas-microsoft-com:office:office" xmlns:v="urn:schemas-microsoft-com:vml" xmlns:pvml="urn:schemas-microsoft-com:office:powerpoint" xmlns:com="http://schemas.openxmlformats.org/drawingml/2006/compatibility" xmlns:p14="http://schemas.microsoft.com/office/powerpoint/2010/main" xmlns:p15="http://schemas.microsoft.com/office/powerpoint/2012/main" xmlns:ahyp="http://schemas.microsoft.com/office/drawing/2018/hyperlinkcolor">
+  <p:cSld>
+    <p:spTree>
+      <p:nvGrpSpPr>
+        <p:cNvPr id="101" name="Shape 101"/>
+        <p:cNvGrpSpPr/>
+        <p:nvPr/>
+      </p:nvGrpSpPr>
+      <p:grpSpPr>
+        <a:xfrm>
+          <a:off x="0" y="0"/>
+          <a:ext cx="0" cy="0"/>
+          <a:chOff x="0" y="0"/>
+          <a:chExt cx="0" cy="0"/>
+        </a:xfrm>
+      </p:grpSpPr>
+      <p:sp>
+        <p:nvSpPr>
+          <p:cNvPr id="102" name="Google Shape;102;p19"/>
+          <p:cNvSpPr txBox="1"/>
+          <p:nvPr>
+            <p:ph type="title"/>
+          </p:nvPr>
+        </p:nvSpPr>
+        <p:spPr>
+          <a:xfrm>
+            <a:off x="311700" y="445025"/>
+            <a:ext cx="8520600" cy="572700"/>
+          </a:xfrm>
+          <a:prstGeom prst="rect">
+            <a:avLst/>
+          </a:prstGeom>
+        </p:spPr>
+        <p:txBody>
+          <a:bodyPr anchorCtr="0" anchor="t" bIns="91425" lIns="91425" spcFirstLastPara="1" rIns="91425" wrap="square" tIns="91425">
+            <a:normAutofit fontScale="90000"/>
+          </a:bodyPr>
+          <a:lstStyle/>
+          <a:p>
+            <a:pPr indent="0" lvl="0" marL="0" rtl="0" algn="l">
+              <a:spcBef>
+                <a:spcPts val="0"/>
+              </a:spcBef>
+              <a:spcAft>
+                <a:spcPts val="0"/>
+              </a:spcAft>
+              <a:buNone/>
+            </a:pPr>
+            <a:r>
+              <a:rPr lang="uk"/>
+              <a:t>Telegram</a:t>
+            </a:r>
+            <a:endParaRPr/>
+          </a:p>
+        </p:txBody>
+      </p:sp>
+      <p:sp>
+        <p:nvSpPr>
+          <p:cNvPr id="103" name="Google Shape;103;p19"/>
+          <p:cNvSpPr txBox="1"/>
+          <p:nvPr>
+            <p:ph idx="1" type="body"/>
+          </p:nvPr>
+        </p:nvSpPr>
+        <p:spPr>
+          <a:xfrm>
+            <a:off x="311700" y="1152475"/>
+            <a:ext cx="3999900" cy="3298800"/>
+          </a:xfrm>
+          <a:prstGeom prst="rect">
+            <a:avLst/>
+          </a:prstGeom>
+          <a:noFill/>
+        </p:spPr>
+        <p:txBody>
+          <a:bodyPr anchorCtr="0" anchor="t" bIns="91425" lIns="91425" spcFirstLastPara="1" rIns="91425" wrap="square" tIns="91425">
+            <a:normAutofit/>
+          </a:bodyPr>
+          <a:lstStyle/>
+          <a:p>
+            <a:pPr indent="-330200" lvl="0" marL="457200" rtl="0" algn="l">
+              <a:spcBef>
+                <a:spcPts val="0"/>
+              </a:spcBef>
+              <a:spcAft>
+                <a:spcPts val="0"/>
+              </a:spcAft>
+              <a:buSzPts val="1600"/>
+              <a:buChar char="-"/>
+            </a:pPr>
+            <a:r>
+              <a:rPr lang="uk" sz="1600"/>
+              <a:t>Обов’язкова авторизація через номер телефону</a:t>
+            </a:r>
+            <a:endParaRPr sz="1600"/>
+          </a:p>
+          <a:p>
+            <a:pPr indent="-330200" lvl="0" marL="457200" rtl="0" algn="l">
+              <a:spcBef>
+                <a:spcPts val="0"/>
+              </a:spcBef>
+              <a:spcAft>
+                <a:spcPts val="0"/>
+              </a:spcAft>
+              <a:buSzPts val="1600"/>
+              <a:buChar char="-"/>
+            </a:pPr>
+            <a:r>
+              <a:rPr lang="uk" sz="1600"/>
+              <a:t>Неможливість переглядати вміст публічних каналів без акаунту</a:t>
+            </a:r>
+            <a:endParaRPr sz="1600"/>
+          </a:p>
+          <a:p>
+            <a:pPr indent="-330200" lvl="0" marL="457200" rtl="0" algn="l">
+              <a:spcBef>
+                <a:spcPts val="0"/>
+              </a:spcBef>
+              <a:spcAft>
+                <a:spcPts val="0"/>
+              </a:spcAft>
+              <a:buSzPts val="1600"/>
+              <a:buChar char="-"/>
+            </a:pPr>
+            <a:r>
+              <a:rPr lang="uk" sz="1600"/>
+              <a:t>Неможливість вимкнути сповіщення за розкладом</a:t>
+            </a:r>
+            <a:endParaRPr sz="1600"/>
+          </a:p>
+        </p:txBody>
+      </p:sp>
+      <p:pic>
+        <p:nvPicPr>
+          <p:cNvPr id="104" name="Google Shape;104;p19"/>
+          <p:cNvPicPr preferRelativeResize="0"/>
+          <p:nvPr/>
+        </p:nvPicPr>
+        <p:blipFill>
+          <a:blip r:embed="rId3">
+            <a:alphaModFix/>
+          </a:blip>
+          <a:stretch>
+            <a:fillRect/>
+          </a:stretch>
+        </p:blipFill>
+        <p:spPr>
+          <a:xfrm>
+            <a:off x="5828813" y="91075"/>
+            <a:ext cx="1280600" cy="1280600"/>
+          </a:xfrm>
+          <a:prstGeom prst="rect">
+            <a:avLst/>
+          </a:prstGeom>
+          <a:noFill/>
+          <a:ln>
+            <a:noFill/>
+          </a:ln>
+        </p:spPr>
+      </p:pic>
+      <p:pic>
+        <p:nvPicPr>
+          <p:cNvPr id="105" name="Google Shape;105;p19"/>
+          <p:cNvPicPr preferRelativeResize="0"/>
+          <p:nvPr/>
+        </p:nvPicPr>
+        <p:blipFill>
+          <a:blip r:embed="rId4">
+            <a:alphaModFix/>
+          </a:blip>
+          <a:stretch>
+            <a:fillRect/>
+          </a:stretch>
+        </p:blipFill>
+        <p:spPr>
+          <a:xfrm>
+            <a:off x="4311595" y="1673475"/>
+            <a:ext cx="4315030" cy="2777801"/>
+          </a:xfrm>
+          <a:prstGeom prst="rect">
+            <a:avLst/>
+          </a:prstGeom>
+          <a:noFill/>
+          <a:ln cap="flat" cmpd="sng" w="38100">
+            <a:solidFill>
+              <a:schemeClr val="dk2"/>
+            </a:solidFill>
+            <a:prstDash val="solid"/>
+            <a:round/>
+            <a:headEnd len="sm" w="sm" type="none"/>
+            <a:tailEnd len="sm" w="sm" type="none"/>
+          </a:ln>
+        </p:spPr>
+      </p:pic>
+    </p:spTree>
+  </p:cSld>
+  <p:clrMapOvr>
+    <a:masterClrMapping/>
+  </p:clrMapOvr>
+</p:sld>
+</file>
+
+<file path=ppt/slides/slide8.xml><?xml version="1.0" encoding="utf-8"?>
+<p:sld xmlns:a="http://schemas.openxmlformats.org/drawingml/2006/main" xmlns:r="http://schemas.openxmlformats.org/officeDocument/2006/relationships" xmlns:mc="http://schemas.openxmlformats.org/markup-compatibility/2006" xmlns:mv="urn:schemas-microsoft-com:mac:vml" xmlns:p="http://schemas.openxmlformats.org/presentationml/2006/main" xmlns:c="http://schemas.openxmlformats.org/drawingml/2006/chart" xmlns:dgm="http://schemas.openxmlformats.org/drawingml/2006/diagram" xmlns:o="urn:schemas-microsoft-com:office:office" xmlns:v="urn:schemas-microsoft-com:vml" xmlns:pvml="urn:schemas-microsoft-com:office:powerpoint" xmlns:com="http://schemas.openxmlformats.org/drawingml/2006/compatibility" xmlns:p14="http://schemas.microsoft.com/office/powerpoint/2010/main" xmlns:p15="http://schemas.microsoft.com/office/powerpoint/2012/main" xmlns:ahyp="http://schemas.microsoft.com/office/drawing/2018/hyperlinkcolor">
+  <p:cSld>
+    <p:spTree>
+      <p:nvGrpSpPr>
+        <p:cNvPr id="109" name="Shape 109"/>
+        <p:cNvGrpSpPr/>
+        <p:nvPr/>
+      </p:nvGrpSpPr>
+      <p:grpSpPr>
+        <a:xfrm>
+          <a:off x="0" y="0"/>
+          <a:ext cx="0" cy="0"/>
+          <a:chOff x="0" y="0"/>
+          <a:chExt cx="0" cy="0"/>
+        </a:xfrm>
+      </p:grpSpPr>
+      <p:sp>
+        <p:nvSpPr>
+          <p:cNvPr id="110" name="Google Shape;110;p20"/>
+          <p:cNvSpPr txBox="1"/>
+          <p:nvPr>
+            <p:ph type="title"/>
+          </p:nvPr>
+        </p:nvSpPr>
+        <p:spPr>
+          <a:xfrm>
+            <a:off x="311700" y="445025"/>
+            <a:ext cx="8520600" cy="572700"/>
+          </a:xfrm>
+          <a:prstGeom prst="rect">
+            <a:avLst/>
+          </a:prstGeom>
+        </p:spPr>
+        <p:txBody>
+          <a:bodyPr anchorCtr="0" anchor="t" bIns="91425" lIns="91425" spcFirstLastPara="1" rIns="91425" wrap="square" tIns="91425">
+            <a:normAutofit fontScale="90000"/>
+          </a:bodyPr>
+          <a:lstStyle/>
+          <a:p>
+            <a:pPr indent="0" lvl="0" marL="0" rtl="0" algn="l">
+              <a:spcBef>
+                <a:spcPts val="0"/>
+              </a:spcBef>
+              <a:spcAft>
+                <a:spcPts val="0"/>
+              </a:spcAft>
+              <a:buNone/>
+            </a:pPr>
+            <a:r>
+              <a:rPr lang="uk"/>
+              <a:t>Viber</a:t>
+            </a:r>
+            <a:endParaRPr/>
+          </a:p>
+        </p:txBody>
+      </p:sp>
+      <p:sp>
+        <p:nvSpPr>
+          <p:cNvPr id="111" name="Google Shape;111;p20"/>
+          <p:cNvSpPr txBox="1"/>
+          <p:nvPr>
+            <p:ph idx="1" type="body"/>
+          </p:nvPr>
+        </p:nvSpPr>
+        <p:spPr>
+          <a:xfrm>
+            <a:off x="311700" y="1152475"/>
+            <a:ext cx="3999900" cy="3416400"/>
+          </a:xfrm>
+          <a:prstGeom prst="rect">
+            <a:avLst/>
+          </a:prstGeom>
+        </p:spPr>
+        <p:txBody>
+          <a:bodyPr anchorCtr="0" anchor="t" bIns="91425" lIns="91425" spcFirstLastPara="1" rIns="91425" wrap="square" tIns="91425">
+            <a:normAutofit/>
+          </a:bodyPr>
+          <a:lstStyle/>
+          <a:p>
+            <a:pPr indent="-330200" lvl="0" marL="457200" rtl="0" algn="l">
+              <a:spcBef>
+                <a:spcPts val="0"/>
+              </a:spcBef>
+              <a:spcAft>
+                <a:spcPts val="0"/>
+              </a:spcAft>
+              <a:buSzPts val="1600"/>
+              <a:buChar char="+"/>
+            </a:pPr>
+            <a:r>
+              <a:rPr lang="uk" sz="1600"/>
+              <a:t>End-to-end шифрування для особистих переписок, голосових і відеодзвінків</a:t>
+            </a:r>
+            <a:endParaRPr sz="1600"/>
+          </a:p>
+          <a:p>
+            <a:pPr indent="-330200" lvl="0" marL="457200" rtl="0" algn="l">
+              <a:spcBef>
+                <a:spcPts val="0"/>
+              </a:spcBef>
+              <a:spcAft>
+                <a:spcPts val="0"/>
+              </a:spcAft>
+              <a:buSzPts val="1600"/>
+              <a:buChar char="+"/>
+            </a:pPr>
+            <a:r>
+              <a:rPr lang="uk" sz="1600"/>
+              <a:t>Viber Out для дзвінків на стаціонарний і мобільний телефони</a:t>
+            </a:r>
+            <a:endParaRPr sz="1600"/>
+          </a:p>
+          <a:p>
+            <a:pPr indent="-330200" lvl="0" marL="457200" rtl="0" algn="l">
+              <a:spcBef>
+                <a:spcPts val="0"/>
+              </a:spcBef>
+              <a:spcAft>
+                <a:spcPts val="0"/>
+              </a:spcAft>
+              <a:buSzPts val="1600"/>
+              <a:buChar char="+"/>
+            </a:pPr>
+            <a:r>
+              <a:rPr lang="uk" sz="1600"/>
+              <a:t>Підтримка зникаючих повідомлень і зображень під час перегляду</a:t>
+            </a:r>
+            <a:endParaRPr sz="1600"/>
+          </a:p>
+          <a:p>
+            <a:pPr indent="-330200" lvl="0" marL="457200" rtl="0" algn="l">
+              <a:spcBef>
+                <a:spcPts val="0"/>
+              </a:spcBef>
+              <a:spcAft>
+                <a:spcPts val="0"/>
+              </a:spcAft>
+              <a:buSzPts val="1600"/>
+              <a:buChar char="+"/>
+            </a:pPr>
+            <a:r>
+              <a:rPr lang="uk" sz="1600"/>
+              <a:t>Наявність прихованих чатів з PIN-кодом</a:t>
+            </a:r>
+            <a:endParaRPr sz="1600"/>
+          </a:p>
+          <a:p>
+            <a:pPr indent="-330200" lvl="0" marL="457200" rtl="0" algn="l">
+              <a:spcBef>
+                <a:spcPts val="0"/>
+              </a:spcBef>
+              <a:spcAft>
+                <a:spcPts val="0"/>
+              </a:spcAft>
+              <a:buSzPts val="1600"/>
+              <a:buChar char="+"/>
+            </a:pPr>
+            <a:r>
+              <a:rPr lang="uk" sz="1600"/>
+              <a:t>Стікери, гіфки</a:t>
+            </a:r>
+            <a:endParaRPr sz="1600"/>
+          </a:p>
+        </p:txBody>
+      </p:sp>
+      <p:pic>
+        <p:nvPicPr>
+          <p:cNvPr id="112" name="Google Shape;112;p20"/>
+          <p:cNvPicPr preferRelativeResize="0"/>
+          <p:nvPr/>
+        </p:nvPicPr>
+        <p:blipFill>
+          <a:blip r:embed="rId3">
+            <a:alphaModFix/>
+          </a:blip>
+          <a:stretch>
+            <a:fillRect/>
+          </a:stretch>
+        </p:blipFill>
+        <p:spPr>
+          <a:xfrm>
+            <a:off x="3923600" y="82975"/>
+            <a:ext cx="1296800" cy="1296800"/>
+          </a:xfrm>
+          <a:prstGeom prst="rect">
+            <a:avLst/>
+          </a:prstGeom>
+          <a:noFill/>
+          <a:ln>
+            <a:noFill/>
+          </a:ln>
+        </p:spPr>
+      </p:pic>
+      <p:pic>
+        <p:nvPicPr>
+          <p:cNvPr id="113" name="Google Shape;113;p20"/>
+          <p:cNvPicPr preferRelativeResize="0"/>
+          <p:nvPr/>
+        </p:nvPicPr>
+        <p:blipFill>
+          <a:blip r:embed="rId4">
+            <a:alphaModFix/>
+          </a:blip>
+          <a:stretch>
+            <a:fillRect/>
+          </a:stretch>
+        </p:blipFill>
+        <p:spPr>
+          <a:xfrm>
+            <a:off x="4464000" y="1532175"/>
+            <a:ext cx="4527600" cy="3364689"/>
+          </a:xfrm>
+          <a:prstGeom prst="rect">
+            <a:avLst/>
+          </a:prstGeom>
+          <a:noFill/>
+          <a:ln>
+            <a:noFill/>
+          </a:ln>
+        </p:spPr>
+      </p:pic>
+    </p:spTree>
+  </p:cSld>
+  <p:clrMapOvr>
+    <a:masterClrMapping/>
+  </p:clrMapOvr>
+</p:sld>
+</file>
+
+<file path=ppt/slides/slide9.xml><?xml version="1.0" encoding="utf-8"?>
+<p:sld xmlns:a="http://schemas.openxmlformats.org/drawingml/2006/main" xmlns:r="http://schemas.openxmlformats.org/officeDocument/2006/relationships" xmlns:mc="http://schemas.openxmlformats.org/markup-compatibility/2006" xmlns:mv="urn:schemas-microsoft-com:mac:vml" xmlns:p="http://schemas.openxmlformats.org/presentationml/2006/main" xmlns:c="http://schemas.openxmlformats.org/drawingml/2006/chart" xmlns:dgm="http://schemas.openxmlformats.org/drawingml/2006/diagram" xmlns:o="urn:schemas-microsoft-com:office:office" xmlns:v="urn:schemas-microsoft-com:vml" xmlns:pvml="urn:schemas-microsoft-com:office:powerpoint" xmlns:com="http://schemas.openxmlformats.org/drawingml/2006/compatibility" xmlns:p14="http://schemas.microsoft.com/office/powerpoint/2010/main" xmlns:p15="http://schemas.microsoft.com/office/powerpoint/2012/main" xmlns:ahyp="http://schemas.microsoft.com/office/drawing/2018/hyperlinkcolor">
+  <p:cSld>
+    <p:spTree>
+      <p:nvGrpSpPr>
+        <p:cNvPr id="117" name="Shape 117"/>
+        <p:cNvGrpSpPr/>
+        <p:nvPr/>
+      </p:nvGrpSpPr>
+      <p:grpSpPr>
+        <a:xfrm>
+          <a:off x="0" y="0"/>
+          <a:ext cx="0" cy="0"/>
+          <a:chOff x="0" y="0"/>
+          <a:chExt cx="0" cy="0"/>
+        </a:xfrm>
+      </p:grpSpPr>
+      <p:sp>
+        <p:nvSpPr>
+          <p:cNvPr id="118" name="Google Shape;118;p21"/>
+          <p:cNvSpPr txBox="1"/>
+          <p:nvPr>
+            <p:ph type="title"/>
+          </p:nvPr>
+        </p:nvSpPr>
+        <p:spPr>
+          <a:xfrm>
+            <a:off x="311700" y="445025"/>
+            <a:ext cx="8520600" cy="572700"/>
+          </a:xfrm>
+          <a:prstGeom prst="rect">
+            <a:avLst/>
+          </a:prstGeom>
+        </p:spPr>
+        <p:txBody>
+          <a:bodyPr anchorCtr="0" anchor="t" bIns="91425" lIns="91425" spcFirstLastPara="1" rIns="91425" wrap="square" tIns="91425">
+            <a:normAutofit fontScale="90000"/>
+          </a:bodyPr>
+          <a:lstStyle/>
+          <a:p>
+            <a:pPr indent="0" lvl="0" marL="0" rtl="0" algn="l">
+              <a:spcBef>
+                <a:spcPts val="0"/>
+              </a:spcBef>
+              <a:spcAft>
+                <a:spcPts val="0"/>
+              </a:spcAft>
+              <a:buNone/>
+            </a:pPr>
+            <a:r>
+              <a:rPr lang="uk"/>
+              <a:t>Viber</a:t>
+            </a:r>
+            <a:endParaRPr/>
+          </a:p>
+        </p:txBody>
+      </p:sp>
+      <p:sp>
+        <p:nvSpPr>
+          <p:cNvPr id="119" name="Google Shape;119;p21"/>
+          <p:cNvSpPr txBox="1"/>
+          <p:nvPr>
+            <p:ph idx="1" type="body"/>
+          </p:nvPr>
+        </p:nvSpPr>
+        <p:spPr>
+          <a:xfrm>
+            <a:off x="311700" y="1152475"/>
+            <a:ext cx="3999900" cy="3416400"/>
+          </a:xfrm>
+          <a:prstGeom prst="rect">
+            <a:avLst/>
+          </a:prstGeom>
+        </p:spPr>
+        <p:txBody>
+          <a:bodyPr anchorCtr="0" anchor="t" bIns="91425" lIns="91425" spcFirstLastPara="1" rIns="91425" wrap="square" tIns="91425">
+            <a:normAutofit/>
+          </a:bodyPr>
+          <a:lstStyle/>
+          <a:p>
+            <a:pPr indent="-323850" lvl="0" marL="457200" rtl="0" algn="l">
+              <a:spcBef>
+                <a:spcPts val="0"/>
+              </a:spcBef>
+              <a:spcAft>
+                <a:spcPts val="0"/>
+              </a:spcAft>
+              <a:buSzPts val="1500"/>
+              <a:buChar char="-"/>
+            </a:pPr>
+            <a:r>
+              <a:rPr lang="uk" sz="1500"/>
+              <a:t>Відсутність підтримки множинних акаунтів</a:t>
+            </a:r>
+            <a:endParaRPr sz="1600"/>
+          </a:p>
+          <a:p>
+            <a:pPr indent="-323850" lvl="0" marL="457200" rtl="0" algn="l">
+              <a:spcBef>
+                <a:spcPts val="0"/>
+              </a:spcBef>
+              <a:spcAft>
+                <a:spcPts val="0"/>
+              </a:spcAft>
+              <a:buSzPts val="1500"/>
+              <a:buChar char="-"/>
+            </a:pPr>
+            <a:r>
+              <a:rPr lang="uk" sz="1500"/>
+              <a:t>Обмеження в кількості користувачів на один чат</a:t>
+            </a:r>
+            <a:endParaRPr sz="1500"/>
+          </a:p>
+          <a:p>
+            <a:pPr indent="-323850" lvl="0" marL="457200" rtl="0" algn="l">
+              <a:spcBef>
+                <a:spcPts val="0"/>
+              </a:spcBef>
+              <a:spcAft>
+                <a:spcPts val="0"/>
+              </a:spcAft>
+              <a:buSzPts val="1500"/>
+              <a:buChar char="-"/>
+            </a:pPr>
+            <a:r>
+              <a:rPr lang="uk" sz="1500"/>
+              <a:t>Неможливо приховати номер телефону, стан мережі.</a:t>
+            </a:r>
+            <a:endParaRPr sz="1500"/>
+          </a:p>
+          <a:p>
+            <a:pPr indent="-323850" lvl="0" marL="457200" rtl="0" algn="l">
+              <a:spcBef>
+                <a:spcPts val="0"/>
+              </a:spcBef>
+              <a:spcAft>
+                <a:spcPts val="0"/>
+              </a:spcAft>
+              <a:buSzPts val="1500"/>
+              <a:buChar char="-"/>
+            </a:pPr>
+            <a:r>
+              <a:rPr lang="uk" sz="1500"/>
+              <a:t>Побільше спаму :-/</a:t>
+            </a:r>
+            <a:endParaRPr sz="1500"/>
+          </a:p>
+          <a:p>
+            <a:pPr indent="-323850" lvl="0" marL="457200" rtl="0" algn="l">
+              <a:spcBef>
+                <a:spcPts val="0"/>
+              </a:spcBef>
+              <a:spcAft>
+                <a:spcPts val="0"/>
+              </a:spcAft>
+              <a:buSzPts val="1500"/>
+              <a:buChar char="-"/>
+            </a:pPr>
+            <a:r>
+              <a:rPr lang="uk" sz="1500"/>
+              <a:t>Не пропрацьоване резервне копіювання вмісту чатів, відсутність архівації чатів</a:t>
+            </a:r>
+            <a:endParaRPr sz="1500"/>
+          </a:p>
+          <a:p>
+            <a:pPr indent="-323850" lvl="0" marL="457200" rtl="0" algn="l">
+              <a:spcBef>
+                <a:spcPts val="0"/>
+              </a:spcBef>
+              <a:spcAft>
+                <a:spcPts val="0"/>
+              </a:spcAft>
+              <a:buSzPts val="1500"/>
+              <a:buChar char="-"/>
+            </a:pPr>
+            <a:r>
+              <a:rPr lang="uk" sz="1500"/>
+              <a:t>Невеликі можливості налаштування застосунку </a:t>
+            </a:r>
+            <a:endParaRPr sz="1500"/>
+          </a:p>
+        </p:txBody>
+      </p:sp>
+      <p:pic>
+        <p:nvPicPr>
+          <p:cNvPr id="120" name="Google Shape;120;p21"/>
+          <p:cNvPicPr preferRelativeResize="0"/>
+          <p:nvPr/>
+        </p:nvPicPr>
+        <p:blipFill>
+          <a:blip r:embed="rId3">
+            <a:alphaModFix/>
+          </a:blip>
+          <a:stretch>
+            <a:fillRect/>
+          </a:stretch>
+        </p:blipFill>
+        <p:spPr>
+          <a:xfrm>
+            <a:off x="3923600" y="82975"/>
+            <a:ext cx="1296800" cy="1296800"/>
+          </a:xfrm>
+          <a:prstGeom prst="rect">
+            <a:avLst/>
+          </a:prstGeom>
+          <a:noFill/>
+          <a:ln>
+            <a:noFill/>
+          </a:ln>
+        </p:spPr>
+      </p:pic>
+      <p:pic>
+        <p:nvPicPr>
+          <p:cNvPr id="121" name="Google Shape;121;p21"/>
+          <p:cNvPicPr preferRelativeResize="0"/>
+          <p:nvPr/>
+        </p:nvPicPr>
+        <p:blipFill>
+          <a:blip r:embed="rId4">
+            <a:alphaModFix/>
+          </a:blip>
+          <a:stretch>
+            <a:fillRect/>
+          </a:stretch>
+        </p:blipFill>
+        <p:spPr>
+          <a:xfrm>
+            <a:off x="4464000" y="1532175"/>
+            <a:ext cx="4527600" cy="3364689"/>
           </a:xfrm>
           <a:prstGeom prst="rect">
             <a:avLst/>
@@ -7122,6 +9931,285 @@
 </file>
 
 <file path=ppt/theme/theme1.xml><?xml version="1.0" encoding="utf-8"?>
+<a:theme xmlns:a="http://schemas.openxmlformats.org/drawingml/2006/main" xmlns:r="http://schemas.openxmlformats.org/officeDocument/2006/relationships" name="Simple Dark">
+  <a:themeElements>
+    <a:clrScheme name="Simple Dark">
+      <a:dk1>
+        <a:srgbClr val="FFFFFF"/>
+      </a:dk1>
+      <a:lt1>
+        <a:srgbClr val="212121"/>
+      </a:lt1>
+      <a:dk2>
+        <a:srgbClr val="303030"/>
+      </a:dk2>
+      <a:lt2>
+        <a:srgbClr val="ADADAD"/>
+      </a:lt2>
+      <a:accent1>
+        <a:srgbClr val="009688"/>
+      </a:accent1>
+      <a:accent2>
+        <a:srgbClr val="EEEEEE"/>
+      </a:accent2>
+      <a:accent3>
+        <a:srgbClr val="78909C"/>
+      </a:accent3>
+      <a:accent4>
+        <a:srgbClr val="FFAB40"/>
+      </a:accent4>
+      <a:accent5>
+        <a:srgbClr val="4DD0E1"/>
+      </a:accent5>
+      <a:accent6>
+        <a:srgbClr val="EEFF41"/>
+      </a:accent6>
+      <a:hlink>
+        <a:srgbClr val="4DD0E1"/>
+      </a:hlink>
+      <a:folHlink>
+        <a:srgbClr val="4DD0E1"/>
+      </a:folHlink>
+    </a:clrScheme>
+    <a:fontScheme name="Office">
+      <a:majorFont>
+        <a:latin typeface="Arial"/>
+        <a:ea typeface=""/>
+        <a:cs typeface=""/>
+        <a:font script="Jpan" typeface="ＭＳ Ｐゴシック"/>
+        <a:font script="Hang" typeface="맑은 고딕"/>
+        <a:font script="Hans" typeface="宋体"/>
+        <a:font script="Hant" typeface="新細明體"/>
+        <a:font script="Arab" typeface="Times New Roman"/>
+        <a:font script="Hebr" typeface="Times New Roman"/>
+        <a:font script="Thai" typeface="Angsana New"/>
+        <a:font script="Ethi" typeface="Nyala"/>
+        <a:font script="Beng" typeface="Vrinda"/>
+        <a:font script="Gujr" typeface="Shruti"/>
+        <a:font script="Khmr" typeface="MoolBoran"/>
+        <a:font script="Knda" typeface="Tunga"/>
+        <a:font script="Guru" typeface="Raavi"/>
+        <a:font script="Cans" typeface="Euphemia"/>
+        <a:font script="Cher" typeface="Plantagenet Cherokee"/>
+        <a:font script="Yiii" typeface="Microsoft Yi Baiti"/>
+        <a:font script="Tibt" typeface="Microsoft Himalaya"/>
+        <a:font script="Thaa" typeface="MV Boli"/>
+        <a:font script="Deva" typeface="Mangal"/>
+        <a:font script="Telu" typeface="Gautami"/>
+        <a:font script="Taml" typeface="Latha"/>
+        <a:font script="Syrc" typeface="Estrangelo Edessa"/>
+        <a:font script="Orya" typeface="Kalinga"/>
+        <a:font script="Mlym" typeface="Kartika"/>
+        <a:font script="Laoo" typeface="DokChampa"/>
+        <a:font script="Sinh" typeface="Iskoola Pota"/>
+        <a:font script="Mong" typeface="Mongolian Baiti"/>
+        <a:font script="Viet" typeface="Times New Roman"/>
+        <a:font script="Uigh" typeface="Microsoft Uighur"/>
+        <a:font script="Geor" typeface="Sylfaen"/>
+      </a:majorFont>
+      <a:minorFont>
+        <a:latin typeface="Arial"/>
+        <a:ea typeface=""/>
+        <a:cs typeface=""/>
+        <a:font script="Jpan" typeface="ＭＳ Ｐゴシック"/>
+        <a:font script="Hang" typeface="맑은 고딕"/>
+        <a:font script="Hans" typeface="宋体"/>
+        <a:font script="Hant" typeface="新細明體"/>
+        <a:font script="Arab" typeface="Arial"/>
+        <a:font script="Hebr" typeface="Arial"/>
+        <a:font script="Thai" typeface="Cordia New"/>
+        <a:font script="Ethi" typeface="Nyala"/>
+        <a:font script="Beng" typeface="Vrinda"/>
+        <a:font script="Gujr" typeface="Shruti"/>
+        <a:font script="Khmr" typeface="DaunPenh"/>
+        <a:font script="Knda" typeface="Tunga"/>
+        <a:font script="Guru" typeface="Raavi"/>
+        <a:font script="Cans" typeface="Euphemia"/>
+        <a:font script="Cher" typeface="Plantagenet Cherokee"/>
+        <a:font script="Yiii" typeface="Microsoft Yi Baiti"/>
+        <a:font script="Tibt" typeface="Microsoft Himalaya"/>
+        <a:font script="Thaa" typeface="MV Boli"/>
+        <a:font script="Deva" typeface="Mangal"/>
+        <a:font script="Telu" typeface="Gautami"/>
+        <a:font script="Taml" typeface="Latha"/>
+        <a:font script="Syrc" typeface="Estrangelo Edessa"/>
+        <a:font script="Orya" typeface="Kalinga"/>
+        <a:font script="Mlym" typeface="Kartika"/>
+        <a:font script="Laoo" typeface="DokChampa"/>
+        <a:font script="Sinh" typeface="Iskoola Pota"/>
+        <a:font script="Mong" typeface="Mongolian Baiti"/>
+        <a:font script="Viet" typeface="Arial"/>
+        <a:font script="Uigh" typeface="Microsoft Uighur"/>
+        <a:font script="Geor" typeface="Sylfaen"/>
+      </a:minorFont>
+    </a:fontScheme>
+    <a:fmtScheme name="Office">
+      <a:fillStyleLst>
+        <a:solidFill>
+          <a:schemeClr val="phClr"/>
+        </a:solidFill>
+        <a:gradFill rotWithShape="1">
+          <a:gsLst>
+            <a:gs pos="0">
+              <a:schemeClr val="phClr">
+                <a:tint val="50000"/>
+                <a:satMod val="300000"/>
+              </a:schemeClr>
+            </a:gs>
+            <a:gs pos="35000">
+              <a:schemeClr val="phClr">
+                <a:tint val="37000"/>
+                <a:satMod val="300000"/>
+              </a:schemeClr>
+            </a:gs>
+            <a:gs pos="100000">
+              <a:schemeClr val="phClr">
+                <a:tint val="15000"/>
+                <a:satMod val="350000"/>
+              </a:schemeClr>
+            </a:gs>
+          </a:gsLst>
+          <a:lin ang="16200000" scaled="1"/>
+        </a:gradFill>
+        <a:gradFill rotWithShape="1">
+          <a:gsLst>
+            <a:gs pos="0">
+              <a:schemeClr val="phClr">
+                <a:tint val="100000"/>
+                <a:shade val="100000"/>
+                <a:satMod val="130000"/>
+              </a:schemeClr>
+            </a:gs>
+            <a:gs pos="100000">
+              <a:schemeClr val="phClr">
+                <a:tint val="50000"/>
+                <a:shade val="100000"/>
+                <a:satMod val="350000"/>
+              </a:schemeClr>
+            </a:gs>
+          </a:gsLst>
+          <a:lin ang="16200000" scaled="0"/>
+        </a:gradFill>
+      </a:fillStyleLst>
+      <a:lnStyleLst>
+        <a:ln w="9525" cap="flat" cmpd="sng" algn="ctr">
+          <a:solidFill>
+            <a:schemeClr val="phClr">
+              <a:shade val="95000"/>
+              <a:satMod val="105000"/>
+            </a:schemeClr>
+          </a:solidFill>
+          <a:prstDash val="solid"/>
+        </a:ln>
+        <a:ln w="25400" cap="flat" cmpd="sng" algn="ctr">
+          <a:solidFill>
+            <a:schemeClr val="phClr"/>
+          </a:solidFill>
+          <a:prstDash val="solid"/>
+        </a:ln>
+        <a:ln w="38100" cap="flat" cmpd="sng" algn="ctr">
+          <a:solidFill>
+            <a:schemeClr val="phClr"/>
+          </a:solidFill>
+          <a:prstDash val="solid"/>
+        </a:ln>
+      </a:lnStyleLst>
+      <a:effectStyleLst>
+        <a:effectStyle>
+          <a:effectLst>
+            <a:outerShdw blurRad="40000" dist="20000" dir="5400000" rotWithShape="0">
+              <a:srgbClr val="000000">
+                <a:alpha val="38000"/>
+              </a:srgbClr>
+            </a:outerShdw>
+          </a:effectLst>
+        </a:effectStyle>
+        <a:effectStyle>
+          <a:effectLst>
+            <a:outerShdw blurRad="40000" dist="23000" dir="5400000" rotWithShape="0">
+              <a:srgbClr val="000000">
+                <a:alpha val="35000"/>
+              </a:srgbClr>
+            </a:outerShdw>
+          </a:effectLst>
+        </a:effectStyle>
+        <a:effectStyle>
+          <a:effectLst>
+            <a:outerShdw blurRad="40000" dist="23000" dir="5400000" rotWithShape="0">
+              <a:srgbClr val="000000">
+                <a:alpha val="35000"/>
+              </a:srgbClr>
+            </a:outerShdw>
+          </a:effectLst>
+          <a:scene3d>
+            <a:camera prst="orthographicFront">
+              <a:rot lat="0" lon="0" rev="0"/>
+            </a:camera>
+            <a:lightRig rig="threePt" dir="t">
+              <a:rot lat="0" lon="0" rev="1200000"/>
+            </a:lightRig>
+          </a:scene3d>
+          <a:sp3d>
+            <a:bevelT w="63500" h="25400"/>
+          </a:sp3d>
+        </a:effectStyle>
+      </a:effectStyleLst>
+      <a:bgFillStyleLst>
+        <a:solidFill>
+          <a:schemeClr val="phClr"/>
+        </a:solidFill>
+        <a:gradFill rotWithShape="1">
+          <a:gsLst>
+            <a:gs pos="0">
+              <a:schemeClr val="phClr">
+                <a:tint val="40000"/>
+                <a:satMod val="350000"/>
+              </a:schemeClr>
+            </a:gs>
+            <a:gs pos="40000">
+              <a:schemeClr val="phClr">
+                <a:tint val="45000"/>
+                <a:shade val="99000"/>
+                <a:satMod val="350000"/>
+              </a:schemeClr>
+            </a:gs>
+            <a:gs pos="100000">
+              <a:schemeClr val="phClr">
+                <a:shade val="20000"/>
+                <a:satMod val="255000"/>
+              </a:schemeClr>
+            </a:gs>
+          </a:gsLst>
+          <a:path path="circle">
+            <a:fillToRect l="50000" t="-80000" r="50000" b="180000"/>
+          </a:path>
+        </a:gradFill>
+        <a:gradFill rotWithShape="1">
+          <a:gsLst>
+            <a:gs pos="0">
+              <a:schemeClr val="phClr">
+                <a:tint val="80000"/>
+                <a:satMod val="300000"/>
+              </a:schemeClr>
+            </a:gs>
+            <a:gs pos="100000">
+              <a:schemeClr val="phClr">
+                <a:shade val="30000"/>
+                <a:satMod val="200000"/>
+              </a:schemeClr>
+            </a:gs>
+          </a:gsLst>
+          <a:path path="circle">
+            <a:fillToRect l="50000" t="50000" r="50000" b="50000"/>
+          </a:path>
+        </a:gradFill>
+      </a:bgFillStyleLst>
+    </a:fmtScheme>
+  </a:themeElements>
+</a:theme>
+</file>
+
+<file path=ppt/theme/theme2.xml><?xml version="1.0" encoding="utf-8"?>
 <a:theme xmlns:a="http://schemas.openxmlformats.org/drawingml/2006/main" xmlns:r="http://schemas.openxmlformats.org/officeDocument/2006/relationships">
   <a:themeElements>
     <a:clrScheme name="Default">
@@ -7398,283 +10486,4 @@
     </a:fmtScheme>
   </a:themeElements>
 </a:theme>
-</file>
-
-<file path=ppt/theme/theme2.xml><?xml version="1.0" encoding="utf-8"?>
-<a:theme xmlns:a="http://schemas.openxmlformats.org/drawingml/2006/main" xmlns:r="http://schemas.openxmlformats.org/officeDocument/2006/relationships" name="Simple Dark">
-  <a:themeElements>
-    <a:clrScheme name="Simple Dark">
-      <a:dk1>
-        <a:srgbClr val="FFFFFF"/>
-      </a:dk1>
-      <a:lt1>
-        <a:srgbClr val="212121"/>
-      </a:lt1>
-      <a:dk2>
-        <a:srgbClr val="303030"/>
-      </a:dk2>
-      <a:lt2>
-        <a:srgbClr val="ADADAD"/>
-      </a:lt2>
-      <a:accent1>
-        <a:srgbClr val="009688"/>
-      </a:accent1>
-      <a:accent2>
-        <a:srgbClr val="EEEEEE"/>
-      </a:accent2>
-      <a:accent3>
-        <a:srgbClr val="78909C"/>
-      </a:accent3>
-      <a:accent4>
-        <a:srgbClr val="FFAB40"/>
-      </a:accent4>
-      <a:accent5>
-        <a:srgbClr val="4DD0E1"/>
-      </a:accent5>
-      <a:accent6>
-        <a:srgbClr val="EEFF41"/>
-      </a:accent6>
-      <a:hlink>
-        <a:srgbClr val="4DD0E1"/>
-      </a:hlink>
-      <a:folHlink>
-        <a:srgbClr val="4DD0E1"/>
-      </a:folHlink>
-    </a:clrScheme>
-    <a:fontScheme name="Office">
-      <a:majorFont>
-        <a:latin typeface="Arial"/>
-        <a:ea typeface=""/>
-        <a:cs typeface=""/>
-        <a:font script="Jpan" typeface="ＭＳ Ｐゴシック"/>
-        <a:font script="Hang" typeface="맑은 고딕"/>
-        <a:font script="Hans" typeface="宋体"/>
-        <a:font script="Hant" typeface="新細明體"/>
-        <a:font script="Arab" typeface="Times New Roman"/>
-        <a:font script="Hebr" typeface="Times New Roman"/>
-        <a:font script="Thai" typeface="Angsana New"/>
-        <a:font script="Ethi" typeface="Nyala"/>
-        <a:font script="Beng" typeface="Vrinda"/>
-        <a:font script="Gujr" typeface="Shruti"/>
-        <a:font script="Khmr" typeface="MoolBoran"/>
-        <a:font script="Knda" typeface="Tunga"/>
-        <a:font script="Guru" typeface="Raavi"/>
-        <a:font script="Cans" typeface="Euphemia"/>
-        <a:font script="Cher" typeface="Plantagenet Cherokee"/>
-        <a:font script="Yiii" typeface="Microsoft Yi Baiti"/>
-        <a:font script="Tibt" typeface="Microsoft Himalaya"/>
-        <a:font script="Thaa" typeface="MV Boli"/>
-        <a:font script="Deva" typeface="Mangal"/>
-        <a:font script="Telu" typeface="Gautami"/>
-        <a:font script="Taml" typeface="Latha"/>
-        <a:font script="Syrc" typeface="Estrangelo Edessa"/>
-        <a:font script="Orya" typeface="Kalinga"/>
-        <a:font script="Mlym" typeface="Kartika"/>
-        <a:font script="Laoo" typeface="DokChampa"/>
-        <a:font script="Sinh" typeface="Iskoola Pota"/>
-        <a:font script="Mong" typeface="Mongolian Baiti"/>
-        <a:font script="Viet" typeface="Times New Roman"/>
-        <a:font script="Uigh" typeface="Microsoft Uighur"/>
-        <a:font script="Geor" typeface="Sylfaen"/>
-      </a:majorFont>
-      <a:minorFont>
-        <a:latin typeface="Arial"/>
-        <a:ea typeface=""/>
-        <a:cs typeface=""/>
-        <a:font script="Jpan" typeface="ＭＳ Ｐゴシック"/>
-        <a:font script="Hang" typeface="맑은 고딕"/>
-        <a:font script="Hans" typeface="宋体"/>
-        <a:font script="Hant" typeface="新細明體"/>
-        <a:font script="Arab" typeface="Arial"/>
-        <a:font script="Hebr" typeface="Arial"/>
-        <a:font script="Thai" typeface="Cordia New"/>
-        <a:font script="Ethi" typeface="Nyala"/>
-        <a:font script="Beng" typeface="Vrinda"/>
-        <a:font script="Gujr" typeface="Shruti"/>
-        <a:font script="Khmr" typeface="DaunPenh"/>
-        <a:font script="Knda" typeface="Tunga"/>
-        <a:font script="Guru" typeface="Raavi"/>
-        <a:font script="Cans" typeface="Euphemia"/>
-        <a:font script="Cher" typeface="Plantagenet Cherokee"/>
-        <a:font script="Yiii" typeface="Microsoft Yi Baiti"/>
-        <a:font script="Tibt" typeface="Microsoft Himalaya"/>
-        <a:font script="Thaa" typeface="MV Boli"/>
-        <a:font script="Deva" typeface="Mangal"/>
-        <a:font script="Telu" typeface="Gautami"/>
-        <a:font script="Taml" typeface="Latha"/>
-        <a:font script="Syrc" typeface="Estrangelo Edessa"/>
-        <a:font script="Orya" typeface="Kalinga"/>
-        <a:font script="Mlym" typeface="Kartika"/>
-        <a:font script="Laoo" typeface="DokChampa"/>
-        <a:font script="Sinh" typeface="Iskoola Pota"/>
-        <a:font script="Mong" typeface="Mongolian Baiti"/>
-        <a:font script="Viet" typeface="Arial"/>
-        <a:font script="Uigh" typeface="Microsoft Uighur"/>
-        <a:font script="Geor" typeface="Sylfaen"/>
-      </a:minorFont>
-    </a:fontScheme>
-    <a:fmtScheme name="Office">
-      <a:fillStyleLst>
-        <a:solidFill>
-          <a:schemeClr val="phClr"/>
-        </a:solidFill>
-        <a:gradFill rotWithShape="1">
-          <a:gsLst>
-            <a:gs pos="0">
-              <a:schemeClr val="phClr">
-                <a:tint val="50000"/>
-                <a:satMod val="300000"/>
-              </a:schemeClr>
-            </a:gs>
-            <a:gs pos="35000">
-              <a:schemeClr val="phClr">
-                <a:tint val="37000"/>
-                <a:satMod val="300000"/>
-              </a:schemeClr>
-            </a:gs>
-            <a:gs pos="100000">
-              <a:schemeClr val="phClr">
-                <a:tint val="15000"/>
-                <a:satMod val="350000"/>
-              </a:schemeClr>
-            </a:gs>
-          </a:gsLst>
-          <a:lin ang="16200000" scaled="1"/>
-        </a:gradFill>
-        <a:gradFill rotWithShape="1">
-          <a:gsLst>
-            <a:gs pos="0">
-              <a:schemeClr val="phClr">
-                <a:tint val="100000"/>
-                <a:shade val="100000"/>
-                <a:satMod val="130000"/>
-              </a:schemeClr>
-            </a:gs>
-            <a:gs pos="100000">
-              <a:schemeClr val="phClr">
-                <a:tint val="50000"/>
-                <a:shade val="100000"/>
-                <a:satMod val="350000"/>
-              </a:schemeClr>
-            </a:gs>
-          </a:gsLst>
-          <a:lin ang="16200000" scaled="0"/>
-        </a:gradFill>
-      </a:fillStyleLst>
-      <a:lnStyleLst>
-        <a:ln w="9525" cap="flat" cmpd="sng" algn="ctr">
-          <a:solidFill>
-            <a:schemeClr val="phClr">
-              <a:shade val="95000"/>
-              <a:satMod val="105000"/>
-            </a:schemeClr>
-          </a:solidFill>
-          <a:prstDash val="solid"/>
-        </a:ln>
-        <a:ln w="25400" cap="flat" cmpd="sng" algn="ctr">
-          <a:solidFill>
-            <a:schemeClr val="phClr"/>
-          </a:solidFill>
-          <a:prstDash val="solid"/>
-        </a:ln>
-        <a:ln w="38100" cap="flat" cmpd="sng" algn="ctr">
-          <a:solidFill>
-            <a:schemeClr val="phClr"/>
-          </a:solidFill>
-          <a:prstDash val="solid"/>
-        </a:ln>
-      </a:lnStyleLst>
-      <a:effectStyleLst>
-        <a:effectStyle>
-          <a:effectLst>
-            <a:outerShdw blurRad="40000" dist="20000" dir="5400000" rotWithShape="0">
-              <a:srgbClr val="000000">
-                <a:alpha val="38000"/>
-              </a:srgbClr>
-            </a:outerShdw>
-          </a:effectLst>
-        </a:effectStyle>
-        <a:effectStyle>
-          <a:effectLst>
-            <a:outerShdw blurRad="40000" dist="23000" dir="5400000" rotWithShape="0">
-              <a:srgbClr val="000000">
-                <a:alpha val="35000"/>
-              </a:srgbClr>
-            </a:outerShdw>
-          </a:effectLst>
-        </a:effectStyle>
-        <a:effectStyle>
-          <a:effectLst>
-            <a:outerShdw blurRad="40000" dist="23000" dir="5400000" rotWithShape="0">
-              <a:srgbClr val="000000">
-                <a:alpha val="35000"/>
-              </a:srgbClr>
-            </a:outerShdw>
-          </a:effectLst>
-          <a:scene3d>
-            <a:camera prst="orthographicFront">
-              <a:rot lat="0" lon="0" rev="0"/>
-            </a:camera>
-            <a:lightRig rig="threePt" dir="t">
-              <a:rot lat="0" lon="0" rev="1200000"/>
-            </a:lightRig>
-          </a:scene3d>
-          <a:sp3d>
-            <a:bevelT w="63500" h="25400"/>
-          </a:sp3d>
-        </a:effectStyle>
-      </a:effectStyleLst>
-      <a:bgFillStyleLst>
-        <a:solidFill>
-          <a:schemeClr val="phClr"/>
-        </a:solidFill>
-        <a:gradFill rotWithShape="1">
-          <a:gsLst>
-            <a:gs pos="0">
-              <a:schemeClr val="phClr">
-                <a:tint val="40000"/>
-                <a:satMod val="350000"/>
-              </a:schemeClr>
-            </a:gs>
-            <a:gs pos="40000">
-              <a:schemeClr val="phClr">
-                <a:tint val="45000"/>
-                <a:shade val="99000"/>
-                <a:satMod val="350000"/>
-              </a:schemeClr>
-            </a:gs>
-            <a:gs pos="100000">
-              <a:schemeClr val="phClr">
-                <a:shade val="20000"/>
-                <a:satMod val="255000"/>
-              </a:schemeClr>
-            </a:gs>
-          </a:gsLst>
-          <a:path path="circle">
-            <a:fillToRect l="50000" t="-80000" r="50000" b="180000"/>
-          </a:path>
-        </a:gradFill>
-        <a:gradFill rotWithShape="1">
-          <a:gsLst>
-            <a:gs pos="0">
-              <a:schemeClr val="phClr">
-                <a:tint val="80000"/>
-                <a:satMod val="300000"/>
-              </a:schemeClr>
-            </a:gs>
-            <a:gs pos="100000">
-              <a:schemeClr val="phClr">
-                <a:shade val="30000"/>
-                <a:satMod val="200000"/>
-              </a:schemeClr>
-            </a:gs>
-          </a:gsLst>
-          <a:path path="circle">
-            <a:fillToRect l="50000" t="50000" r="50000" b="50000"/>
-          </a:path>
-        </a:gradFill>
-      </a:bgFillStyleLst>
-    </a:fmtScheme>
-  </a:themeElements>
-</a:theme>
 </file>
--- a/Documents/Just Another Messaging App.pptx
+++ b/Documents/Just Another Messaging App.pptx
@@ -9931,6 +9931,285 @@
 </file>
 
 <file path=ppt/theme/theme1.xml><?xml version="1.0" encoding="utf-8"?>
+<a:theme xmlns:a="http://schemas.openxmlformats.org/drawingml/2006/main" xmlns:r="http://schemas.openxmlformats.org/officeDocument/2006/relationships">
+  <a:themeElements>
+    <a:clrScheme name="Default">
+      <a:dk1>
+        <a:srgbClr val="000000"/>
+      </a:dk1>
+      <a:lt1>
+        <a:srgbClr val="FFFFFF"/>
+      </a:lt1>
+      <a:dk2>
+        <a:srgbClr val="158158"/>
+      </a:dk2>
+      <a:lt2>
+        <a:srgbClr val="F3F3F3"/>
+      </a:lt2>
+      <a:accent1>
+        <a:srgbClr val="058DC7"/>
+      </a:accent1>
+      <a:accent2>
+        <a:srgbClr val="50B432"/>
+      </a:accent2>
+      <a:accent3>
+        <a:srgbClr val="ED561B"/>
+      </a:accent3>
+      <a:accent4>
+        <a:srgbClr val="EDEF00"/>
+      </a:accent4>
+      <a:accent5>
+        <a:srgbClr val="24CBE5"/>
+      </a:accent5>
+      <a:accent6>
+        <a:srgbClr val="64E572"/>
+      </a:accent6>
+      <a:hlink>
+        <a:srgbClr val="2200CC"/>
+      </a:hlink>
+      <a:folHlink>
+        <a:srgbClr val="551A8B"/>
+      </a:folHlink>
+    </a:clrScheme>
+    <a:fontScheme name="Office">
+      <a:majorFont>
+        <a:latin typeface="Arial"/>
+        <a:ea typeface=""/>
+        <a:cs typeface=""/>
+        <a:font script="Jpan" typeface="ＭＳ Ｐゴシック"/>
+        <a:font script="Hang" typeface="맑은 고딕"/>
+        <a:font script="Hans" typeface="宋体"/>
+        <a:font script="Hant" typeface="新細明體"/>
+        <a:font script="Arab" typeface="Times New Roman"/>
+        <a:font script="Hebr" typeface="Times New Roman"/>
+        <a:font script="Thai" typeface="Angsana New"/>
+        <a:font script="Ethi" typeface="Nyala"/>
+        <a:font script="Beng" typeface="Vrinda"/>
+        <a:font script="Gujr" typeface="Shruti"/>
+        <a:font script="Khmr" typeface="MoolBoran"/>
+        <a:font script="Knda" typeface="Tunga"/>
+        <a:font script="Guru" typeface="Raavi"/>
+        <a:font script="Cans" typeface="Euphemia"/>
+        <a:font script="Cher" typeface="Plantagenet Cherokee"/>
+        <a:font script="Yiii" typeface="Microsoft Yi Baiti"/>
+        <a:font script="Tibt" typeface="Microsoft Himalaya"/>
+        <a:font script="Thaa" typeface="MV Boli"/>
+        <a:font script="Deva" typeface="Mangal"/>
+        <a:font script="Telu" typeface="Gautami"/>
+        <a:font script="Taml" typeface="Latha"/>
+        <a:font script="Syrc" typeface="Estrangelo Edessa"/>
+        <a:font script="Orya" typeface="Kalinga"/>
+        <a:font script="Mlym" typeface="Kartika"/>
+        <a:font script="Laoo" typeface="DokChampa"/>
+        <a:font script="Sinh" typeface="Iskoola Pota"/>
+        <a:font script="Mong" typeface="Mongolian Baiti"/>
+        <a:font script="Viet" typeface="Times New Roman"/>
+        <a:font script="Uigh" typeface="Microsoft Uighur"/>
+        <a:font script="Geor" typeface="Sylfaen"/>
+      </a:majorFont>
+      <a:minorFont>
+        <a:latin typeface="Arial"/>
+        <a:ea typeface=""/>
+        <a:cs typeface=""/>
+        <a:font script="Jpan" typeface="ＭＳ Ｐゴシック"/>
+        <a:font script="Hang" typeface="맑은 고딕"/>
+        <a:font script="Hans" typeface="宋体"/>
+        <a:font script="Hant" typeface="新細明體"/>
+        <a:font script="Arab" typeface="Arial"/>
+        <a:font script="Hebr" typeface="Arial"/>
+        <a:font script="Thai" typeface="Cordia New"/>
+        <a:font script="Ethi" typeface="Nyala"/>
+        <a:font script="Beng" typeface="Vrinda"/>
+        <a:font script="Gujr" typeface="Shruti"/>
+        <a:font script="Khmr" typeface="DaunPenh"/>
+        <a:font script="Knda" typeface="Tunga"/>
+        <a:font script="Guru" typeface="Raavi"/>
+        <a:font script="Cans" typeface="Euphemia"/>
+        <a:font script="Cher" typeface="Plantagenet Cherokee"/>
+        <a:font script="Yiii" typeface="Microsoft Yi Baiti"/>
+        <a:font script="Tibt" typeface="Microsoft Himalaya"/>
+        <a:font script="Thaa" typeface="MV Boli"/>
+        <a:font script="Deva" typeface="Mangal"/>
+        <a:font script="Telu" typeface="Gautami"/>
+        <a:font script="Taml" typeface="Latha"/>
+        <a:font script="Syrc" typeface="Estrangelo Edessa"/>
+        <a:font script="Orya" typeface="Kalinga"/>
+        <a:font script="Mlym" typeface="Kartika"/>
+        <a:font script="Laoo" typeface="DokChampa"/>
+        <a:font script="Sinh" typeface="Iskoola Pota"/>
+        <a:font script="Mong" typeface="Mongolian Baiti"/>
+        <a:font script="Viet" typeface="Arial"/>
+        <a:font script="Uigh" typeface="Microsoft Uighur"/>
+        <a:font script="Geor" typeface="Sylfaen"/>
+      </a:minorFont>
+    </a:fontScheme>
+    <a:fmtScheme name="Office">
+      <a:fillStyleLst>
+        <a:solidFill>
+          <a:schemeClr val="phClr"/>
+        </a:solidFill>
+        <a:gradFill rotWithShape="1">
+          <a:gsLst>
+            <a:gs pos="0">
+              <a:schemeClr val="phClr">
+                <a:tint val="50000"/>
+                <a:satMod val="300000"/>
+              </a:schemeClr>
+            </a:gs>
+            <a:gs pos="35000">
+              <a:schemeClr val="phClr">
+                <a:tint val="37000"/>
+                <a:satMod val="300000"/>
+              </a:schemeClr>
+            </a:gs>
+            <a:gs pos="100000">
+              <a:schemeClr val="phClr">
+                <a:tint val="15000"/>
+                <a:satMod val="350000"/>
+              </a:schemeClr>
+            </a:gs>
+          </a:gsLst>
+          <a:lin ang="16200000" scaled="1"/>
+        </a:gradFill>
+        <a:gradFill rotWithShape="1">
+          <a:gsLst>
+            <a:gs pos="0">
+              <a:schemeClr val="phClr">
+                <a:tint val="100000"/>
+                <a:shade val="100000"/>
+                <a:satMod val="130000"/>
+              </a:schemeClr>
+            </a:gs>
+            <a:gs pos="100000">
+              <a:schemeClr val="phClr">
+                <a:tint val="50000"/>
+                <a:shade val="100000"/>
+                <a:satMod val="350000"/>
+              </a:schemeClr>
+            </a:gs>
+          </a:gsLst>
+          <a:lin ang="16200000" scaled="0"/>
+        </a:gradFill>
+      </a:fillStyleLst>
+      <a:lnStyleLst>
+        <a:ln w="9525" cap="flat" cmpd="sng" algn="ctr">
+          <a:solidFill>
+            <a:schemeClr val="phClr">
+              <a:shade val="95000"/>
+              <a:satMod val="105000"/>
+            </a:schemeClr>
+          </a:solidFill>
+          <a:prstDash val="solid"/>
+        </a:ln>
+        <a:ln w="25400" cap="flat" cmpd="sng" algn="ctr">
+          <a:solidFill>
+            <a:schemeClr val="phClr"/>
+          </a:solidFill>
+          <a:prstDash val="solid"/>
+        </a:ln>
+        <a:ln w="38100" cap="flat" cmpd="sng" algn="ctr">
+          <a:solidFill>
+            <a:schemeClr val="phClr"/>
+          </a:solidFill>
+          <a:prstDash val="solid"/>
+        </a:ln>
+      </a:lnStyleLst>
+      <a:effectStyleLst>
+        <a:effectStyle>
+          <a:effectLst>
+            <a:outerShdw blurRad="40000" dist="20000" dir="5400000" rotWithShape="0">
+              <a:srgbClr val="000000">
+                <a:alpha val="38000"/>
+              </a:srgbClr>
+            </a:outerShdw>
+          </a:effectLst>
+        </a:effectStyle>
+        <a:effectStyle>
+          <a:effectLst>
+            <a:outerShdw blurRad="40000" dist="23000" dir="5400000" rotWithShape="0">
+              <a:srgbClr val="000000">
+                <a:alpha val="35000"/>
+              </a:srgbClr>
+            </a:outerShdw>
+          </a:effectLst>
+        </a:effectStyle>
+        <a:effectStyle>
+          <a:effectLst>
+            <a:outerShdw blurRad="40000" dist="23000" dir="5400000" rotWithShape="0">
+              <a:srgbClr val="000000">
+                <a:alpha val="35000"/>
+              </a:srgbClr>
+            </a:outerShdw>
+          </a:effectLst>
+          <a:scene3d>
+            <a:camera prst="orthographicFront">
+              <a:rot lat="0" lon="0" rev="0"/>
+            </a:camera>
+            <a:lightRig rig="threePt" dir="t">
+              <a:rot lat="0" lon="0" rev="1200000"/>
+            </a:lightRig>
+          </a:scene3d>
+          <a:sp3d>
+            <a:bevelT w="63500" h="25400"/>
+          </a:sp3d>
+        </a:effectStyle>
+      </a:effectStyleLst>
+      <a:bgFillStyleLst>
+        <a:solidFill>
+          <a:schemeClr val="phClr"/>
+        </a:solidFill>
+        <a:gradFill rotWithShape="1">
+          <a:gsLst>
+            <a:gs pos="0">
+              <a:schemeClr val="phClr">
+                <a:tint val="40000"/>
+                <a:satMod val="350000"/>
+              </a:schemeClr>
+            </a:gs>
+            <a:gs pos="40000">
+              <a:schemeClr val="phClr">
+                <a:tint val="45000"/>
+                <a:shade val="99000"/>
+                <a:satMod val="350000"/>
+              </a:schemeClr>
+            </a:gs>
+            <a:gs pos="100000">
+              <a:schemeClr val="phClr">
+                <a:shade val="20000"/>
+                <a:satMod val="255000"/>
+              </a:schemeClr>
+            </a:gs>
+          </a:gsLst>
+          <a:path path="circle">
+            <a:fillToRect l="50000" t="-80000" r="50000" b="180000"/>
+          </a:path>
+        </a:gradFill>
+        <a:gradFill rotWithShape="1">
+          <a:gsLst>
+            <a:gs pos="0">
+              <a:schemeClr val="phClr">
+                <a:tint val="80000"/>
+                <a:satMod val="300000"/>
+              </a:schemeClr>
+            </a:gs>
+            <a:gs pos="100000">
+              <a:schemeClr val="phClr">
+                <a:shade val="30000"/>
+                <a:satMod val="200000"/>
+              </a:schemeClr>
+            </a:gs>
+          </a:gsLst>
+          <a:path path="circle">
+            <a:fillToRect l="50000" t="50000" r="50000" b="50000"/>
+          </a:path>
+        </a:gradFill>
+      </a:bgFillStyleLst>
+    </a:fmtScheme>
+  </a:themeElements>
+</a:theme>
+</file>
+
+<file path=ppt/theme/theme2.xml><?xml version="1.0" encoding="utf-8"?>
 <a:theme xmlns:a="http://schemas.openxmlformats.org/drawingml/2006/main" xmlns:r="http://schemas.openxmlformats.org/officeDocument/2006/relationships" name="Simple Dark">
   <a:themeElements>
     <a:clrScheme name="Simple Dark">
@@ -10207,283 +10486,4 @@
     </a:fmtScheme>
   </a:themeElements>
 </a:theme>
-</file>
-
-<file path=ppt/theme/theme2.xml><?xml version="1.0" encoding="utf-8"?>
-<a:theme xmlns:a="http://schemas.openxmlformats.org/drawingml/2006/main" xmlns:r="http://schemas.openxmlformats.org/officeDocument/2006/relationships">
-  <a:themeElements>
-    <a:clrScheme name="Default">
-      <a:dk1>
-        <a:srgbClr val="000000"/>
-      </a:dk1>
-      <a:lt1>
-        <a:srgbClr val="FFFFFF"/>
-      </a:lt1>
-      <a:dk2>
-        <a:srgbClr val="158158"/>
-      </a:dk2>
-      <a:lt2>
-        <a:srgbClr val="F3F3F3"/>
-      </a:lt2>
-      <a:accent1>
-        <a:srgbClr val="058DC7"/>
-      </a:accent1>
-      <a:accent2>
-        <a:srgbClr val="50B432"/>
-      </a:accent2>
-      <a:accent3>
-        <a:srgbClr val="ED561B"/>
-      </a:accent3>
-      <a:accent4>
-        <a:srgbClr val="EDEF00"/>
-      </a:accent4>
-      <a:accent5>
-        <a:srgbClr val="24CBE5"/>
-      </a:accent5>
-      <a:accent6>
-        <a:srgbClr val="64E572"/>
-      </a:accent6>
-      <a:hlink>
-        <a:srgbClr val="2200CC"/>
-      </a:hlink>
-      <a:folHlink>
-        <a:srgbClr val="551A8B"/>
-      </a:folHlink>
-    </a:clrScheme>
-    <a:fontScheme name="Office">
-      <a:majorFont>
-        <a:latin typeface="Arial"/>
-        <a:ea typeface=""/>
-        <a:cs typeface=""/>
-        <a:font script="Jpan" typeface="ＭＳ Ｐゴシック"/>
-        <a:font script="Hang" typeface="맑은 고딕"/>
-        <a:font script="Hans" typeface="宋体"/>
-        <a:font script="Hant" typeface="新細明體"/>
-        <a:font script="Arab" typeface="Times New Roman"/>
-        <a:font script="Hebr" typeface="Times New Roman"/>
-        <a:font script="Thai" typeface="Angsana New"/>
-        <a:font script="Ethi" typeface="Nyala"/>
-        <a:font script="Beng" typeface="Vrinda"/>
-        <a:font script="Gujr" typeface="Shruti"/>
-        <a:font script="Khmr" typeface="MoolBoran"/>
-        <a:font script="Knda" typeface="Tunga"/>
-        <a:font script="Guru" typeface="Raavi"/>
-        <a:font script="Cans" typeface="Euphemia"/>
-        <a:font script="Cher" typeface="Plantagenet Cherokee"/>
-        <a:font script="Yiii" typeface="Microsoft Yi Baiti"/>
-        <a:font script="Tibt" typeface="Microsoft Himalaya"/>
-        <a:font script="Thaa" typeface="MV Boli"/>
-        <a:font script="Deva" typeface="Mangal"/>
-        <a:font script="Telu" typeface="Gautami"/>
-        <a:font script="Taml" typeface="Latha"/>
-        <a:font script="Syrc" typeface="Estrangelo Edessa"/>
-        <a:font script="Orya" typeface="Kalinga"/>
-        <a:font script="Mlym" typeface="Kartika"/>
-        <a:font script="Laoo" typeface="DokChampa"/>
-        <a:font script="Sinh" typeface="Iskoola Pota"/>
-        <a:font script="Mong" typeface="Mongolian Baiti"/>
-        <a:font script="Viet" typeface="Times New Roman"/>
-        <a:font script="Uigh" typeface="Microsoft Uighur"/>
-        <a:font script="Geor" typeface="Sylfaen"/>
-      </a:majorFont>
-      <a:minorFont>
-        <a:latin typeface="Arial"/>
-        <a:ea typeface=""/>
-        <a:cs typeface=""/>
-        <a:font script="Jpan" typeface="ＭＳ Ｐゴシック"/>
-        <a:font script="Hang" typeface="맑은 고딕"/>
-        <a:font script="Hans" typeface="宋体"/>
-        <a:font script="Hant" typeface="新細明體"/>
-        <a:font script="Arab" typeface="Arial"/>
-        <a:font script="Hebr" typeface="Arial"/>
-        <a:font script="Thai" typeface="Cordia New"/>
-        <a:font script="Ethi" typeface="Nyala"/>
-        <a:font script="Beng" typeface="Vrinda"/>
-        <a:font script="Gujr" typeface="Shruti"/>
-        <a:font script="Khmr" typeface="DaunPenh"/>
-        <a:font script="Knda" typeface="Tunga"/>
-        <a:font script="Guru" typeface="Raavi"/>
-        <a:font script="Cans" typeface="Euphemia"/>
-        <a:font script="Cher" typeface="Plantagenet Cherokee"/>
-        <a:font script="Yiii" typeface="Microsoft Yi Baiti"/>
-        <a:font script="Tibt" typeface="Microsoft Himalaya"/>
-        <a:font script="Thaa" typeface="MV Boli"/>
-        <a:font script="Deva" typeface="Mangal"/>
-        <a:font script="Telu" typeface="Gautami"/>
-        <a:font script="Taml" typeface="Latha"/>
-        <a:font script="Syrc" typeface="Estrangelo Edessa"/>
-        <a:font script="Orya" typeface="Kalinga"/>
-        <a:font script="Mlym" typeface="Kartika"/>
-        <a:font script="Laoo" typeface="DokChampa"/>
-        <a:font script="Sinh" typeface="Iskoola Pota"/>
-        <a:font script="Mong" typeface="Mongolian Baiti"/>
-        <a:font script="Viet" typeface="Arial"/>
-        <a:font script="Uigh" typeface="Microsoft Uighur"/>
-        <a:font script="Geor" typeface="Sylfaen"/>
-      </a:minorFont>
-    </a:fontScheme>
-    <a:fmtScheme name="Office">
-      <a:fillStyleLst>
-        <a:solidFill>
-          <a:schemeClr val="phClr"/>
-        </a:solidFill>
-        <a:gradFill rotWithShape="1">
-          <a:gsLst>
-            <a:gs pos="0">
-              <a:schemeClr val="phClr">
-                <a:tint val="50000"/>
-                <a:satMod val="300000"/>
-              </a:schemeClr>
-            </a:gs>
-            <a:gs pos="35000">
-              <a:schemeClr val="phClr">
-                <a:tint val="37000"/>
-                <a:satMod val="300000"/>
-              </a:schemeClr>
-            </a:gs>
-            <a:gs pos="100000">
-              <a:schemeClr val="phClr">
-                <a:tint val="15000"/>
-                <a:satMod val="350000"/>
-              </a:schemeClr>
-            </a:gs>
-          </a:gsLst>
-          <a:lin ang="16200000" scaled="1"/>
-        </a:gradFill>
-        <a:gradFill rotWithShape="1">
-          <a:gsLst>
-            <a:gs pos="0">
-              <a:schemeClr val="phClr">
-                <a:tint val="100000"/>
-                <a:shade val="100000"/>
-                <a:satMod val="130000"/>
-              </a:schemeClr>
-            </a:gs>
-            <a:gs pos="100000">
-              <a:schemeClr val="phClr">
-                <a:tint val="50000"/>
-                <a:shade val="100000"/>
-                <a:satMod val="350000"/>
-              </a:schemeClr>
-            </a:gs>
-          </a:gsLst>
-          <a:lin ang="16200000" scaled="0"/>
-        </a:gradFill>
-      </a:fillStyleLst>
-      <a:lnStyleLst>
-        <a:ln w="9525" cap="flat" cmpd="sng" algn="ctr">
-          <a:solidFill>
-            <a:schemeClr val="phClr">
-              <a:shade val="95000"/>
-              <a:satMod val="105000"/>
-            </a:schemeClr>
-          </a:solidFill>
-          <a:prstDash val="solid"/>
-        </a:ln>
-        <a:ln w="25400" cap="flat" cmpd="sng" algn="ctr">
-          <a:solidFill>
-            <a:schemeClr val="phClr"/>
-          </a:solidFill>
-          <a:prstDash val="solid"/>
-        </a:ln>
-        <a:ln w="38100" cap="flat" cmpd="sng" algn="ctr">
-          <a:solidFill>
-            <a:schemeClr val="phClr"/>
-          </a:solidFill>
-          <a:prstDash val="solid"/>
-        </a:ln>
-      </a:lnStyleLst>
-      <a:effectStyleLst>
-        <a:effectStyle>
-          <a:effectLst>
-            <a:outerShdw blurRad="40000" dist="20000" dir="5400000" rotWithShape="0">
-              <a:srgbClr val="000000">
-                <a:alpha val="38000"/>
-              </a:srgbClr>
-            </a:outerShdw>
-          </a:effectLst>
-        </a:effectStyle>
-        <a:effectStyle>
-          <a:effectLst>
-            <a:outerShdw blurRad="40000" dist="23000" dir="5400000" rotWithShape="0">
-              <a:srgbClr val="000000">
-                <a:alpha val="35000"/>
-              </a:srgbClr>
-            </a:outerShdw>
-          </a:effectLst>
-        </a:effectStyle>
-        <a:effectStyle>
-          <a:effectLst>
-            <a:outerShdw blurRad="40000" dist="23000" dir="5400000" rotWithShape="0">
-              <a:srgbClr val="000000">
-                <a:alpha val="35000"/>
-              </a:srgbClr>
-            </a:outerShdw>
-          </a:effectLst>
-          <a:scene3d>
-            <a:camera prst="orthographicFront">
-              <a:rot lat="0" lon="0" rev="0"/>
-            </a:camera>
-            <a:lightRig rig="threePt" dir="t">
-              <a:rot lat="0" lon="0" rev="1200000"/>
-            </a:lightRig>
-          </a:scene3d>
-          <a:sp3d>
-            <a:bevelT w="63500" h="25400"/>
-          </a:sp3d>
-        </a:effectStyle>
-      </a:effectStyleLst>
-      <a:bgFillStyleLst>
-        <a:solidFill>
-          <a:schemeClr val="phClr"/>
-        </a:solidFill>
-        <a:gradFill rotWithShape="1">
-          <a:gsLst>
-            <a:gs pos="0">
-              <a:schemeClr val="phClr">
-                <a:tint val="40000"/>
-                <a:satMod val="350000"/>
-              </a:schemeClr>
-            </a:gs>
-            <a:gs pos="40000">
-              <a:schemeClr val="phClr">
-                <a:tint val="45000"/>
-                <a:shade val="99000"/>
-                <a:satMod val="350000"/>
-              </a:schemeClr>
-            </a:gs>
-            <a:gs pos="100000">
-              <a:schemeClr val="phClr">
-                <a:shade val="20000"/>
-                <a:satMod val="255000"/>
-              </a:schemeClr>
-            </a:gs>
-          </a:gsLst>
-          <a:path path="circle">
-            <a:fillToRect l="50000" t="-80000" r="50000" b="180000"/>
-          </a:path>
-        </a:gradFill>
-        <a:gradFill rotWithShape="1">
-          <a:gsLst>
-            <a:gs pos="0">
-              <a:schemeClr val="phClr">
-                <a:tint val="80000"/>
-                <a:satMod val="300000"/>
-              </a:schemeClr>
-            </a:gs>
-            <a:gs pos="100000">
-              <a:schemeClr val="phClr">
-                <a:shade val="30000"/>
-                <a:satMod val="200000"/>
-              </a:schemeClr>
-            </a:gs>
-          </a:gsLst>
-          <a:path path="circle">
-            <a:fillToRect l="50000" t="50000" r="50000" b="50000"/>
-          </a:path>
-        </a:gradFill>
-      </a:bgFillStyleLst>
-    </a:fmtScheme>
-  </a:themeElements>
-</a:theme>
 </file>